--- a/Lectures/21 - Cross Validation.pptx
+++ b/Lectures/21 - Cross Validation.pptx
@@ -15,9 +15,9 @@
     <p:sldId id="389" r:id="rId3"/>
     <p:sldId id="416" r:id="rId4"/>
     <p:sldId id="420" r:id="rId5"/>
-    <p:sldId id="417" r:id="rId6"/>
-    <p:sldId id="418" r:id="rId7"/>
-    <p:sldId id="419" r:id="rId8"/>
+    <p:sldId id="421" r:id="rId6"/>
+    <p:sldId id="417" r:id="rId7"/>
+    <p:sldId id="422" r:id="rId8"/>
     <p:sldId id="358" r:id="rId9"/>
   </p:sldIdLst>
   <p:sldSz cx="12192000" cy="6858000"/>
@@ -5204,7 +5204,7 @@
                   <a:srgbClr val="660066"/>
                 </a:solidFill>
               </a:rPr>
-              <a:t>?</a:t>
+              <a:t>? Can we use the Nested F-test?</a:t>
             </a:r>
           </a:p>
           <a:p>
@@ -5323,8 +5323,8 @@
           </a:p>
         </p:txBody>
       </p:sp>
-      <mc:AlternateContent xmlns:mc="http://schemas.openxmlformats.org/markup-compatibility/2006">
-        <mc:Choice xmlns:a14="http://schemas.microsoft.com/office/drawing/2010/main" Requires="a14">
+      <mc:AlternateContent xmlns:mc="http://schemas.openxmlformats.org/markup-compatibility/2006" xmlns:a14="http://schemas.microsoft.com/office/drawing/2010/main">
+        <mc:Choice Requires="a14">
           <p:sp>
             <p:nvSpPr>
               <p:cNvPr id="3" name="TextBox 2">
@@ -5583,7 +5583,7 @@
             </p:txBody>
           </p:sp>
         </mc:Choice>
-        <mc:Fallback>
+        <mc:Fallback xmlns="">
           <p:sp>
             <p:nvSpPr>
               <p:cNvPr id="3" name="TextBox 2">
@@ -5628,8 +5628,8 @@
           </p:sp>
         </mc:Fallback>
       </mc:AlternateContent>
-      <mc:AlternateContent xmlns:mc="http://schemas.openxmlformats.org/markup-compatibility/2006">
-        <mc:Choice xmlns:a14="http://schemas.microsoft.com/office/drawing/2010/main" Requires="a14">
+      <mc:AlternateContent xmlns:mc="http://schemas.openxmlformats.org/markup-compatibility/2006" xmlns:a14="http://schemas.microsoft.com/office/drawing/2010/main">
+        <mc:Choice Requires="a14">
           <p:sp>
             <p:nvSpPr>
               <p:cNvPr id="4" name="TextBox 3">
@@ -5888,7 +5888,7 @@
             </p:txBody>
           </p:sp>
         </mc:Choice>
-        <mc:Fallback>
+        <mc:Fallback xmlns="">
           <p:sp>
             <p:nvSpPr>
               <p:cNvPr id="4" name="TextBox 3">
@@ -6510,380 +6510,6 @@
         <p:spPr>
           <a:xfrm>
             <a:off x="457200" y="1981200"/>
-            <a:ext cx="11201400" cy="3915966"/>
-          </a:xfrm>
-          <a:prstGeom prst="roundRect">
-            <a:avLst/>
-          </a:prstGeom>
-          <a:solidFill>
-            <a:schemeClr val="bg1"/>
-          </a:solidFill>
-          <a:ln w="76200">
-            <a:solidFill>
-              <a:srgbClr val="FFC416"/>
-            </a:solidFill>
-          </a:ln>
-        </p:spPr>
-        <p:style>
-          <a:lnRef idx="2">
-            <a:schemeClr val="dk1"/>
-          </a:lnRef>
-          <a:fillRef idx="1">
-            <a:schemeClr val="lt1"/>
-          </a:fillRef>
-          <a:effectRef idx="0">
-            <a:schemeClr val="dk1"/>
-          </a:effectRef>
-          <a:fontRef idx="minor">
-            <a:schemeClr val="dk1"/>
-          </a:fontRef>
-        </p:style>
-        <p:txBody>
-          <a:bodyPr wrap="square" rtlCol="0">
-            <a:spAutoFit/>
-          </a:bodyPr>
-          <a:lstStyle/>
-          <a:p>
-            <a:pPr marL="457200" indent="-457200">
-              <a:buFont typeface="Arial" panose="020B0604020202020204" pitchFamily="34" charset="0"/>
-              <a:buChar char="•"/>
-            </a:pPr>
-            <a:r>
-              <a:rPr lang="en-US" sz="2800" dirty="0">
-                <a:solidFill>
-                  <a:srgbClr val="660066"/>
-                </a:solidFill>
-              </a:rPr>
-              <a:t>All Previous Metrics are Based on </a:t>
-            </a:r>
-            <a:r>
-              <a:rPr lang="en-US" sz="2800" b="1" dirty="0">
-                <a:solidFill>
-                  <a:srgbClr val="660066"/>
-                </a:solidFill>
-              </a:rPr>
-              <a:t>Fitted</a:t>
-            </a:r>
-            <a:r>
-              <a:rPr lang="en-US" sz="2800" dirty="0">
-                <a:solidFill>
-                  <a:srgbClr val="660066"/>
-                </a:solidFill>
-              </a:rPr>
-              <a:t> Values</a:t>
-            </a:r>
-          </a:p>
-          <a:p>
-            <a:pPr marL="457200" indent="-457200">
-              <a:buFont typeface="Arial" panose="020B0604020202020204" pitchFamily="34" charset="0"/>
-              <a:buChar char="•"/>
-            </a:pPr>
-            <a:endParaRPr lang="en-US" sz="2800" dirty="0">
-              <a:solidFill>
-                <a:srgbClr val="660066"/>
-              </a:solidFill>
-            </a:endParaRPr>
-          </a:p>
-          <a:p>
-            <a:pPr marL="457200" indent="-457200">
-              <a:buFont typeface="Arial" panose="020B0604020202020204" pitchFamily="34" charset="0"/>
-              <a:buChar char="•"/>
-            </a:pPr>
-            <a:r>
-              <a:rPr lang="en-US" sz="2800" dirty="0">
-                <a:solidFill>
-                  <a:srgbClr val="660066"/>
-                </a:solidFill>
-              </a:rPr>
-              <a:t>We May Want to Consider Metrics </a:t>
-            </a:r>
-            <a:r>
-              <a:rPr lang="en-US" sz="2800" b="1" dirty="0">
-                <a:solidFill>
-                  <a:srgbClr val="660066"/>
-                </a:solidFill>
-              </a:rPr>
-              <a:t>Based</a:t>
-            </a:r>
-            <a:r>
-              <a:rPr lang="en-US" sz="2800" dirty="0">
-                <a:solidFill>
-                  <a:srgbClr val="660066"/>
-                </a:solidFill>
-              </a:rPr>
-              <a:t> on Predicted Values</a:t>
-            </a:r>
-          </a:p>
-          <a:p>
-            <a:pPr marL="457200" indent="-457200">
-              <a:buFont typeface="Arial" panose="020B0604020202020204" pitchFamily="34" charset="0"/>
-              <a:buChar char="•"/>
-            </a:pPr>
-            <a:endParaRPr lang="en-US" sz="2800" dirty="0">
-              <a:solidFill>
-                <a:srgbClr val="660066"/>
-              </a:solidFill>
-            </a:endParaRPr>
-          </a:p>
-          <a:p>
-            <a:pPr marL="457200" indent="-457200">
-              <a:buFont typeface="Arial" panose="020B0604020202020204" pitchFamily="34" charset="0"/>
-              <a:buChar char="•"/>
-            </a:pPr>
-            <a:r>
-              <a:rPr lang="en-US" sz="2800" dirty="0">
-                <a:solidFill>
-                  <a:srgbClr val="660066"/>
-                </a:solidFill>
-              </a:rPr>
-              <a:t>To Get Real Predictions We Have to Leave Data Out of Model Fitting</a:t>
-            </a:r>
-          </a:p>
-          <a:p>
-            <a:pPr marL="457200" indent="-457200">
-              <a:buFont typeface="Arial" panose="020B0604020202020204" pitchFamily="34" charset="0"/>
-              <a:buChar char="•"/>
-            </a:pPr>
-            <a:endParaRPr lang="en-US" sz="2800" dirty="0">
-              <a:solidFill>
-                <a:srgbClr val="660066"/>
-              </a:solidFill>
-            </a:endParaRPr>
-          </a:p>
-          <a:p>
-            <a:pPr marL="457200" indent="-457200">
-              <a:buFont typeface="Arial" panose="020B0604020202020204" pitchFamily="34" charset="0"/>
-              <a:buChar char="•"/>
-            </a:pPr>
-            <a:r>
-              <a:rPr lang="en-US" sz="2800" dirty="0">
-                <a:solidFill>
-                  <a:srgbClr val="660066"/>
-                </a:solidFill>
-              </a:rPr>
-              <a:t>Holdout-Method  (Simplest form of Cross-Validation)</a:t>
-            </a:r>
-          </a:p>
-          <a:p>
-            <a:pPr marL="914400" lvl="1" indent="-457200">
-              <a:buFont typeface="Arial" panose="020B0604020202020204" pitchFamily="34" charset="0"/>
-              <a:buChar char="•"/>
-            </a:pPr>
-            <a:r>
-              <a:rPr lang="en-US" sz="2800" dirty="0">
-                <a:solidFill>
-                  <a:srgbClr val="660066"/>
-                </a:solidFill>
-              </a:rPr>
-              <a:t>Split</a:t>
-            </a:r>
-          </a:p>
-        </p:txBody>
-      </p:sp>
-    </p:spTree>
-    <p:extLst>
-      <p:ext uri="{BB962C8B-B14F-4D97-AF65-F5344CB8AC3E}">
-        <p14:creationId xmlns:p14="http://schemas.microsoft.com/office/powerpoint/2010/main" val="1460005054"/>
-      </p:ext>
-    </p:extLst>
-  </p:cSld>
-  <p:clrMapOvr>
-    <a:masterClrMapping/>
-  </p:clrMapOvr>
-</p:sld>
-</file>
-
-<file path=ppt/slides/slide5.xml><?xml version="1.0" encoding="utf-8"?>
-<p:sld xmlns:a="http://schemas.openxmlformats.org/drawingml/2006/main" xmlns:r="http://schemas.openxmlformats.org/officeDocument/2006/relationships" xmlns:p="http://schemas.openxmlformats.org/presentationml/2006/main">
-  <p:cSld>
-    <p:spTree>
-      <p:nvGrpSpPr>
-        <p:cNvPr id="1" name=""/>
-        <p:cNvGrpSpPr/>
-        <p:nvPr/>
-      </p:nvGrpSpPr>
-      <p:grpSpPr>
-        <a:xfrm>
-          <a:off x="0" y="0"/>
-          <a:ext cx="0" cy="0"/>
-          <a:chOff x="0" y="0"/>
-          <a:chExt cx="0" cy="0"/>
-        </a:xfrm>
-      </p:grpSpPr>
-      <p:pic>
-        <p:nvPicPr>
-          <p:cNvPr id="2" name="Picture 10" descr="Mario Pattern">
-            <a:extLst>
-              <a:ext uri="{FF2B5EF4-FFF2-40B4-BE49-F238E27FC236}">
-                <a16:creationId xmlns:a16="http://schemas.microsoft.com/office/drawing/2014/main" id="{8F84FFD9-23AF-75F7-6DAA-904525952142}"/>
-              </a:ext>
-            </a:extLst>
-          </p:cNvPr>
-          <p:cNvPicPr>
-            <a:picLocks noChangeAspect="1" noChangeArrowheads="1"/>
-          </p:cNvPicPr>
-          <p:nvPr/>
-        </p:nvPicPr>
-        <p:blipFill rotWithShape="1">
-          <a:blip r:embed="rId2">
-            <a:alphaModFix amt="47000"/>
-            <a:extLst>
-              <a:ext uri="{28A0092B-C50C-407E-A947-70E740481C1C}">
-                <a14:useLocalDpi xmlns:a14="http://schemas.microsoft.com/office/drawing/2010/main" val="0"/>
-              </a:ext>
-            </a:extLst>
-          </a:blip>
-          <a:srcRect l="4595" r="6699"/>
-          <a:stretch/>
-        </p:blipFill>
-        <p:spPr bwMode="auto">
-          <a:xfrm>
-            <a:off x="0" y="-2057400"/>
-            <a:ext cx="12192000" cy="10308201"/>
-          </a:xfrm>
-          <a:prstGeom prst="rect">
-            <a:avLst/>
-          </a:prstGeom>
-          <a:noFill/>
-          <a:extLst>
-            <a:ext uri="{909E8E84-426E-40DD-AFC4-6F175D3DCCD1}">
-              <a14:hiddenFill xmlns:a14="http://schemas.microsoft.com/office/drawing/2010/main">
-                <a:solidFill>
-                  <a:srgbClr val="FFFFFF"/>
-                </a:solidFill>
-              </a14:hiddenFill>
-            </a:ext>
-          </a:extLst>
-        </p:spPr>
-      </p:pic>
-      <p:sp>
-        <p:nvSpPr>
-          <p:cNvPr id="12" name="Line 11"/>
-          <p:cNvSpPr>
-            <a:spLocks noChangeShapeType="1"/>
-          </p:cNvSpPr>
-          <p:nvPr/>
-        </p:nvSpPr>
-        <p:spPr bwMode="auto">
-          <a:xfrm flipV="1">
-            <a:off x="6972300" y="5109836"/>
-            <a:ext cx="609600" cy="533400"/>
-          </a:xfrm>
-          <a:prstGeom prst="line">
-            <a:avLst/>
-          </a:prstGeom>
-          <a:noFill/>
-          <a:ln w="38100">
-            <a:solidFill>
-              <a:srgbClr val="FFFF66"/>
-            </a:solidFill>
-            <a:round/>
-            <a:headEnd/>
-            <a:tailEnd type="triangle" w="med" len="med"/>
-          </a:ln>
-          <a:extLst>
-            <a:ext uri="{909E8E84-426E-40DD-AFC4-6F175D3DCCD1}">
-              <a14:hiddenFill xmlns:a14="http://schemas.microsoft.com/office/drawing/2010/main">
-                <a:noFill/>
-              </a14:hiddenFill>
-            </a:ext>
-          </a:extLst>
-        </p:spPr>
-        <p:txBody>
-          <a:bodyPr wrap="square">
-            <a:spAutoFit/>
-          </a:bodyPr>
-          <a:lstStyle/>
-          <a:p>
-            <a:endParaRPr lang="en-US"/>
-          </a:p>
-        </p:txBody>
-      </p:sp>
-      <p:sp>
-        <p:nvSpPr>
-          <p:cNvPr id="6" name="TextBox 5">
-            <a:extLst>
-              <a:ext uri="{FF2B5EF4-FFF2-40B4-BE49-F238E27FC236}">
-                <a16:creationId xmlns:a16="http://schemas.microsoft.com/office/drawing/2014/main" id="{4F2DA592-D8EB-70BA-2112-6C13A4E7B393}"/>
-              </a:ext>
-            </a:extLst>
-          </p:cNvPr>
-          <p:cNvSpPr txBox="1"/>
-          <p:nvPr/>
-        </p:nvSpPr>
-        <p:spPr>
-          <a:xfrm>
-            <a:off x="457200" y="609600"/>
-            <a:ext cx="11201400" cy="919401"/>
-          </a:xfrm>
-          <a:prstGeom prst="roundRect">
-            <a:avLst/>
-          </a:prstGeom>
-          <a:solidFill>
-            <a:schemeClr val="bg1">
-              <a:alpha val="70000"/>
-            </a:schemeClr>
-          </a:solidFill>
-          <a:ln w="76200">
-            <a:solidFill>
-              <a:srgbClr val="FFC416"/>
-            </a:solidFill>
-          </a:ln>
-        </p:spPr>
-        <p:style>
-          <a:lnRef idx="2">
-            <a:schemeClr val="dk1"/>
-          </a:lnRef>
-          <a:fillRef idx="1">
-            <a:schemeClr val="lt1"/>
-          </a:fillRef>
-          <a:effectRef idx="0">
-            <a:schemeClr val="dk1"/>
-          </a:effectRef>
-          <a:fontRef idx="minor">
-            <a:schemeClr val="dk1"/>
-          </a:fontRef>
-        </p:style>
-        <p:txBody>
-          <a:bodyPr wrap="square" rtlCol="0">
-            <a:spAutoFit/>
-          </a:bodyPr>
-          <a:lstStyle/>
-          <a:p>
-            <a:pPr algn="ctr"/>
-            <a:r>
-              <a:rPr lang="en-US" sz="4800" b="1" dirty="0">
-                <a:solidFill>
-                  <a:srgbClr val="2D3A37"/>
-                </a:solidFill>
-                <a:latin typeface="Adobe Devanagari" panose="02040503050201020203" pitchFamily="18" charset="0"/>
-                <a:cs typeface="Adobe Devanagari" panose="02040503050201020203" pitchFamily="18" charset="0"/>
-              </a:rPr>
-              <a:t>Nested F-Test</a:t>
-            </a:r>
-            <a:endParaRPr lang="en-US" sz="4800" dirty="0">
-              <a:solidFill>
-                <a:srgbClr val="2D3A37"/>
-              </a:solidFill>
-            </a:endParaRPr>
-          </a:p>
-        </p:txBody>
-      </p:sp>
-      <p:sp>
-        <p:nvSpPr>
-          <p:cNvPr id="7" name="TextBox 6">
-            <a:extLst>
-              <a:ext uri="{FF2B5EF4-FFF2-40B4-BE49-F238E27FC236}">
-                <a16:creationId xmlns:a16="http://schemas.microsoft.com/office/drawing/2014/main" id="{D9B238EA-D04E-3255-7509-F990F1A8F309}"/>
-              </a:ext>
-            </a:extLst>
-          </p:cNvPr>
-          <p:cNvSpPr txBox="1"/>
-          <p:nvPr/>
-        </p:nvSpPr>
-        <p:spPr>
-          <a:xfrm>
-            <a:off x="457200" y="1981200"/>
             <a:ext cx="11201400" cy="4392692"/>
           </a:xfrm>
           <a:prstGeom prst="roundRect">
@@ -6928,7 +6554,7 @@
                   <a:srgbClr val="660066"/>
                 </a:solidFill>
               </a:rPr>
-              <a:t>Nested F-Test for Testing a Subset of Predictors in Full Model</a:t>
+              <a:t>Holdout-Method  (Simplest form of Cross-Validation)</a:t>
             </a:r>
           </a:p>
           <a:p>
@@ -6942,30 +6568,8 @@
                   <a:srgbClr val="660066"/>
                 </a:solidFill>
               </a:rPr>
-              <a:t>Hypotheses:</a:t>
-            </a:r>
-          </a:p>
-          <a:p>
-            <a:pPr marL="457200" indent="-457200">
-              <a:buFont typeface="Arial" panose="020B0604020202020204" pitchFamily="34" charset="0"/>
-              <a:buChar char="•"/>
-            </a:pPr>
-            <a:endParaRPr lang="en-US" sz="2800" dirty="0">
-              <a:solidFill>
-                <a:srgbClr val="660066"/>
-              </a:solidFill>
-            </a:endParaRPr>
-          </a:p>
-          <a:p>
-            <a:pPr marL="457200" indent="-457200">
-              <a:buFont typeface="Arial" panose="020B0604020202020204" pitchFamily="34" charset="0"/>
-              <a:buChar char="•"/>
-            </a:pPr>
-            <a:endParaRPr lang="en-US" sz="2800" b="1" dirty="0">
-              <a:solidFill>
-                <a:srgbClr val="660066"/>
-              </a:solidFill>
-            </a:endParaRPr>
+              <a:t>Split Data Into Training and Test Sets</a:t>
+            </a:r>
           </a:p>
           <a:p>
             <a:pPr marL="914400" lvl="1" indent="-457200">
@@ -6978,11 +6582,11 @@
                   <a:srgbClr val="660066"/>
                 </a:solidFill>
               </a:rPr>
-              <a:t>Define Full and Reduced Model:</a:t>
-            </a:r>
-          </a:p>
-          <a:p>
-            <a:pPr marL="1371600" lvl="2" indent="-457200">
+              <a:t>Fit Models to Training Set</a:t>
+            </a:r>
+          </a:p>
+          <a:p>
+            <a:pPr marL="914400" lvl="1" indent="-457200">
               <a:buFont typeface="Arial" panose="020B0604020202020204" pitchFamily="34" charset="0"/>
               <a:buChar char="•"/>
             </a:pPr>
@@ -6992,11 +6596,11 @@
                   <a:srgbClr val="660066"/>
                 </a:solidFill>
               </a:rPr>
-              <a:t>Full Model is the Regression Model with All Variables in It</a:t>
-            </a:r>
-          </a:p>
-          <a:p>
-            <a:pPr marL="1371600" lvl="2" indent="-457200">
+              <a:t>Predict onto Test Set</a:t>
+            </a:r>
+          </a:p>
+          <a:p>
+            <a:pPr marL="914400" lvl="1" indent="-457200">
               <a:buFont typeface="Arial" panose="020B0604020202020204" pitchFamily="34" charset="0"/>
               <a:buChar char="•"/>
             </a:pPr>
@@ -7006,811 +6610,7 @@
                   <a:srgbClr val="660066"/>
                 </a:solidFill>
               </a:rPr>
-              <a:t>Reduced Model is the Model Under the Null Hypotheses</a:t>
-            </a:r>
-          </a:p>
-          <a:p>
-            <a:pPr marL="1371600" lvl="2" indent="-457200">
-              <a:buFont typeface="Arial" panose="020B0604020202020204" pitchFamily="34" charset="0"/>
-              <a:buChar char="•"/>
-            </a:pPr>
-            <a:r>
-              <a:rPr lang="en-US" sz="2800" dirty="0">
-                <a:solidFill>
-                  <a:srgbClr val="660066"/>
-                </a:solidFill>
-              </a:rPr>
-              <a:t>The Reduced Model is the Full Model without the Subset of the Predictors that We are Testing</a:t>
-            </a:r>
-          </a:p>
-        </p:txBody>
-      </p:sp>
-      <mc:AlternateContent xmlns:mc="http://schemas.openxmlformats.org/markup-compatibility/2006" xmlns:a14="http://schemas.microsoft.com/office/drawing/2010/main">
-        <mc:Choice Requires="a14">
-          <p:sp>
-            <p:nvSpPr>
-              <p:cNvPr id="3" name="TextBox 2">
-                <a:extLst>
-                  <a:ext uri="{FF2B5EF4-FFF2-40B4-BE49-F238E27FC236}">
-                    <a16:creationId xmlns:a16="http://schemas.microsoft.com/office/drawing/2014/main" id="{EAB562EF-C1B0-D3F8-2B80-ECA157DEBC31}"/>
-                  </a:ext>
-                </a:extLst>
-              </p:cNvPr>
-              <p:cNvSpPr txBox="1"/>
-              <p:nvPr/>
-            </p:nvSpPr>
-            <p:spPr>
-              <a:xfrm>
-                <a:off x="3810000" y="2865867"/>
-                <a:ext cx="7086600" cy="461665"/>
-              </a:xfrm>
-              <a:prstGeom prst="rect">
-                <a:avLst/>
-              </a:prstGeom>
-              <a:noFill/>
-            </p:spPr>
-            <p:txBody>
-              <a:bodyPr wrap="square" rtlCol="0">
-                <a:spAutoFit/>
-              </a:bodyPr>
-              <a:lstStyle/>
-              <a:p>
-                <a:pPr/>
-                <a14:m>
-                  <m:oMathPara xmlns:m="http://schemas.openxmlformats.org/officeDocument/2006/math">
-                    <m:oMathParaPr>
-                      <m:jc m:val="left"/>
-                    </m:oMathParaPr>
-                    <m:oMath xmlns:m="http://schemas.openxmlformats.org/officeDocument/2006/math">
-                      <m:sSub>
-                        <m:sSubPr>
-                          <m:ctrlPr>
-                            <a:rPr lang="en-US" sz="2400" b="0" i="1" smtClean="0">
-                              <a:latin typeface="Cambria Math" panose="02040503050406030204" pitchFamily="18" charset="0"/>
-                            </a:rPr>
-                          </m:ctrlPr>
-                        </m:sSubPr>
-                        <m:e>
-                          <m:r>
-                            <a:rPr lang="en-US" sz="2400" b="0" i="1" smtClean="0">
-                              <a:latin typeface="Cambria Math" panose="02040503050406030204" pitchFamily="18" charset="0"/>
-                            </a:rPr>
-                            <m:t>𝐻</m:t>
-                          </m:r>
-                        </m:e>
-                        <m:sub>
-                          <m:r>
-                            <a:rPr lang="en-US" sz="2400" b="0" i="1" smtClean="0">
-                              <a:latin typeface="Cambria Math" panose="02040503050406030204" pitchFamily="18" charset="0"/>
-                            </a:rPr>
-                            <m:t>0</m:t>
-                          </m:r>
-                        </m:sub>
-                      </m:sSub>
-                      <m:r>
-                        <a:rPr lang="en-US" sz="2400" b="0" i="1" smtClean="0">
-                          <a:latin typeface="Cambria Math" panose="02040503050406030204" pitchFamily="18" charset="0"/>
-                        </a:rPr>
-                        <m:t>:</m:t>
-                      </m:r>
-                      <m:sSub>
-                        <m:sSubPr>
-                          <m:ctrlPr>
-                            <a:rPr lang="en-US" sz="2400" b="0" i="1" smtClean="0">
-                              <a:latin typeface="Cambria Math" panose="02040503050406030204" pitchFamily="18" charset="0"/>
-                            </a:rPr>
-                          </m:ctrlPr>
-                        </m:sSubPr>
-                        <m:e>
-                          <m:r>
-                            <a:rPr lang="en-US" sz="2400" b="0" i="1" smtClean="0">
-                              <a:latin typeface="Cambria Math" panose="02040503050406030204" pitchFamily="18" charset="0"/>
-                            </a:rPr>
-                            <m:t>𝛽</m:t>
-                          </m:r>
-                        </m:e>
-                        <m:sub>
-                          <m:r>
-                            <a:rPr lang="en-US" sz="2400" b="0" i="1" smtClean="0">
-                              <a:latin typeface="Cambria Math" panose="02040503050406030204" pitchFamily="18" charset="0"/>
-                            </a:rPr>
-                            <m:t>𝑖</m:t>
-                          </m:r>
-                        </m:sub>
-                      </m:sSub>
-                      <m:r>
-                        <a:rPr lang="en-US" sz="2400" b="0" i="1" smtClean="0">
-                          <a:latin typeface="Cambria Math" panose="02040503050406030204" pitchFamily="18" charset="0"/>
-                        </a:rPr>
-                        <m:t>=0</m:t>
-                      </m:r>
-                      <m:r>
-                        <a:rPr lang="en-US" sz="2400" b="0" i="0" smtClean="0">
-                          <a:latin typeface="Cambria Math" panose="02040503050406030204" pitchFamily="18" charset="0"/>
-                        </a:rPr>
-                        <m:t> </m:t>
-                      </m:r>
-                      <m:r>
-                        <m:rPr>
-                          <m:sty m:val="p"/>
-                        </m:rPr>
-                        <a:rPr lang="en-US" sz="2400" b="0" i="0" smtClean="0">
-                          <a:latin typeface="Cambria Math" panose="02040503050406030204" pitchFamily="18" charset="0"/>
-                        </a:rPr>
-                        <m:t>for</m:t>
-                      </m:r>
-                      <m:r>
-                        <a:rPr lang="en-US" sz="2400" b="0" i="0" smtClean="0">
-                          <a:latin typeface="Cambria Math" panose="02040503050406030204" pitchFamily="18" charset="0"/>
-                        </a:rPr>
-                        <m:t> </m:t>
-                      </m:r>
-                      <m:r>
-                        <m:rPr>
-                          <m:sty m:val="p"/>
-                        </m:rPr>
-                        <a:rPr lang="en-US" sz="2400" b="0" i="0" smtClean="0">
-                          <a:latin typeface="Cambria Math" panose="02040503050406030204" pitchFamily="18" charset="0"/>
-                        </a:rPr>
-                        <m:t>all</m:t>
-                      </m:r>
-                      <m:r>
-                        <a:rPr lang="en-US" sz="2400" b="0" i="0" smtClean="0">
-                          <a:latin typeface="Cambria Math" panose="02040503050406030204" pitchFamily="18" charset="0"/>
-                        </a:rPr>
-                        <m:t> </m:t>
-                      </m:r>
-                      <m:r>
-                        <m:rPr>
-                          <m:sty m:val="p"/>
-                        </m:rPr>
-                        <a:rPr lang="en-US" sz="2400" b="0" i="0" smtClean="0">
-                          <a:latin typeface="Cambria Math" panose="02040503050406030204" pitchFamily="18" charset="0"/>
-                        </a:rPr>
-                        <m:t>predictors</m:t>
-                      </m:r>
-                      <m:r>
-                        <a:rPr lang="en-US" sz="2400" b="0" i="0" smtClean="0">
-                          <a:latin typeface="Cambria Math" panose="02040503050406030204" pitchFamily="18" charset="0"/>
-                        </a:rPr>
-                        <m:t> </m:t>
-                      </m:r>
-                      <m:r>
-                        <m:rPr>
-                          <m:sty m:val="p"/>
-                        </m:rPr>
-                        <a:rPr lang="en-US" sz="2400" b="0" i="0" smtClean="0">
-                          <a:latin typeface="Cambria Math" panose="02040503050406030204" pitchFamily="18" charset="0"/>
-                        </a:rPr>
-                        <m:t>in</m:t>
-                      </m:r>
-                      <m:r>
-                        <a:rPr lang="en-US" sz="2400" b="0" i="0" smtClean="0">
-                          <a:latin typeface="Cambria Math" panose="02040503050406030204" pitchFamily="18" charset="0"/>
-                        </a:rPr>
-                        <m:t> </m:t>
-                      </m:r>
-                      <m:r>
-                        <m:rPr>
-                          <m:sty m:val="p"/>
-                        </m:rPr>
-                        <a:rPr lang="en-US" sz="2400" b="0" i="0" smtClean="0">
-                          <a:latin typeface="Cambria Math" panose="02040503050406030204" pitchFamily="18" charset="0"/>
-                        </a:rPr>
-                        <m:t>subset</m:t>
-                      </m:r>
-                    </m:oMath>
-                  </m:oMathPara>
-                </a14:m>
-                <a:endParaRPr lang="en-US" sz="2400" dirty="0"/>
-              </a:p>
-            </p:txBody>
-          </p:sp>
-        </mc:Choice>
-        <mc:Fallback xmlns="">
-          <p:sp>
-            <p:nvSpPr>
-              <p:cNvPr id="3" name="TextBox 2">
-                <a:extLst>
-                  <a:ext uri="{FF2B5EF4-FFF2-40B4-BE49-F238E27FC236}">
-                    <a16:creationId xmlns:a16="http://schemas.microsoft.com/office/drawing/2014/main" id="{EAB562EF-C1B0-D3F8-2B80-ECA157DEBC31}"/>
-                  </a:ext>
-                </a:extLst>
-              </p:cNvPr>
-              <p:cNvSpPr txBox="1">
-                <a:spLocks noRot="1" noChangeAspect="1" noMove="1" noResize="1" noEditPoints="1" noAdjustHandles="1" noChangeArrowheads="1" noChangeShapeType="1" noTextEdit="1"/>
-              </p:cNvSpPr>
-              <p:nvPr/>
-            </p:nvSpPr>
-            <p:spPr>
-              <a:xfrm>
-                <a:off x="3810000" y="2865867"/>
-                <a:ext cx="7086600" cy="461665"/>
-              </a:xfrm>
-              <a:prstGeom prst="rect">
-                <a:avLst/>
-              </a:prstGeom>
-              <a:blipFill>
-                <a:blip r:embed="rId3"/>
-                <a:stretch>
-                  <a:fillRect l="-172" b="-17105"/>
-                </a:stretch>
-              </a:blipFill>
-            </p:spPr>
-            <p:txBody>
-              <a:bodyPr/>
-              <a:lstStyle/>
-              <a:p>
-                <a:r>
-                  <a:rPr lang="en-US">
-                    <a:noFill/>
-                  </a:rPr>
-                  <a:t> </a:t>
-                </a:r>
-              </a:p>
-            </p:txBody>
-          </p:sp>
-        </mc:Fallback>
-      </mc:AlternateContent>
-      <mc:AlternateContent xmlns:mc="http://schemas.openxmlformats.org/markup-compatibility/2006" xmlns:a14="http://schemas.microsoft.com/office/drawing/2010/main">
-        <mc:Choice Requires="a14">
-          <p:sp>
-            <p:nvSpPr>
-              <p:cNvPr id="4" name="TextBox 3">
-                <a:extLst>
-                  <a:ext uri="{FF2B5EF4-FFF2-40B4-BE49-F238E27FC236}">
-                    <a16:creationId xmlns:a16="http://schemas.microsoft.com/office/drawing/2014/main" id="{4C207FC5-2C96-37A2-5BDE-93F92CE540D7}"/>
-                  </a:ext>
-                </a:extLst>
-              </p:cNvPr>
-              <p:cNvSpPr txBox="1"/>
-              <p:nvPr/>
-            </p:nvSpPr>
-            <p:spPr>
-              <a:xfrm>
-                <a:off x="3810000" y="3298074"/>
-                <a:ext cx="7086600" cy="461665"/>
-              </a:xfrm>
-              <a:prstGeom prst="rect">
-                <a:avLst/>
-              </a:prstGeom>
-              <a:noFill/>
-            </p:spPr>
-            <p:txBody>
-              <a:bodyPr wrap="square" rtlCol="0">
-                <a:spAutoFit/>
-              </a:bodyPr>
-              <a:lstStyle/>
-              <a:p>
-                <a:pPr/>
-                <a14:m>
-                  <m:oMathPara xmlns:m="http://schemas.openxmlformats.org/officeDocument/2006/math">
-                    <m:oMathParaPr>
-                      <m:jc m:val="left"/>
-                    </m:oMathParaPr>
-                    <m:oMath xmlns:m="http://schemas.openxmlformats.org/officeDocument/2006/math">
-                      <m:sSub>
-                        <m:sSubPr>
-                          <m:ctrlPr>
-                            <a:rPr lang="en-US" sz="2400" b="0" i="1" smtClean="0">
-                              <a:latin typeface="Cambria Math" panose="02040503050406030204" pitchFamily="18" charset="0"/>
-                            </a:rPr>
-                          </m:ctrlPr>
-                        </m:sSubPr>
-                        <m:e>
-                          <m:r>
-                            <a:rPr lang="en-US" sz="2400" b="0" i="1" smtClean="0">
-                              <a:latin typeface="Cambria Math" panose="02040503050406030204" pitchFamily="18" charset="0"/>
-                            </a:rPr>
-                            <m:t>𝐻</m:t>
-                          </m:r>
-                        </m:e>
-                        <m:sub>
-                          <m:r>
-                            <a:rPr lang="en-US" sz="2400" b="0" i="1" smtClean="0">
-                              <a:latin typeface="Cambria Math" panose="02040503050406030204" pitchFamily="18" charset="0"/>
-                            </a:rPr>
-                            <m:t>𝑎</m:t>
-                          </m:r>
-                        </m:sub>
-                      </m:sSub>
-                      <m:r>
-                        <a:rPr lang="en-US" sz="2400" b="0" i="1" smtClean="0">
-                          <a:latin typeface="Cambria Math" panose="02040503050406030204" pitchFamily="18" charset="0"/>
-                        </a:rPr>
-                        <m:t>:</m:t>
-                      </m:r>
-                      <m:sSub>
-                        <m:sSubPr>
-                          <m:ctrlPr>
-                            <a:rPr lang="en-US" sz="2400" b="0" i="1" smtClean="0">
-                              <a:latin typeface="Cambria Math" panose="02040503050406030204" pitchFamily="18" charset="0"/>
-                            </a:rPr>
-                          </m:ctrlPr>
-                        </m:sSubPr>
-                        <m:e>
-                          <m:r>
-                            <a:rPr lang="en-US" sz="2400" b="0" i="1" smtClean="0">
-                              <a:latin typeface="Cambria Math" panose="02040503050406030204" pitchFamily="18" charset="0"/>
-                            </a:rPr>
-                            <m:t>𝛽</m:t>
-                          </m:r>
-                        </m:e>
-                        <m:sub>
-                          <m:r>
-                            <a:rPr lang="en-US" sz="2400" b="0" i="1" smtClean="0">
-                              <a:latin typeface="Cambria Math" panose="02040503050406030204" pitchFamily="18" charset="0"/>
-                            </a:rPr>
-                            <m:t>𝑖</m:t>
-                          </m:r>
-                        </m:sub>
-                      </m:sSub>
-                      <m:r>
-                        <a:rPr lang="en-US" sz="2400" b="0" i="1" smtClean="0">
-                          <a:latin typeface="Cambria Math" panose="02040503050406030204" pitchFamily="18" charset="0"/>
-                        </a:rPr>
-                        <m:t>≠0</m:t>
-                      </m:r>
-                      <m:r>
-                        <a:rPr lang="en-US" sz="2400" b="0" i="0" smtClean="0">
-                          <a:latin typeface="Cambria Math" panose="02040503050406030204" pitchFamily="18" charset="0"/>
-                        </a:rPr>
-                        <m:t> </m:t>
-                      </m:r>
-                      <m:r>
-                        <m:rPr>
-                          <m:sty m:val="p"/>
-                        </m:rPr>
-                        <a:rPr lang="en-US" sz="2400" b="0" i="0" smtClean="0">
-                          <a:latin typeface="Cambria Math" panose="02040503050406030204" pitchFamily="18" charset="0"/>
-                        </a:rPr>
-                        <m:t>for</m:t>
-                      </m:r>
-                      <m:r>
-                        <a:rPr lang="en-US" sz="2400" b="0" i="0" smtClean="0">
-                          <a:latin typeface="Cambria Math" panose="02040503050406030204" pitchFamily="18" charset="0"/>
-                        </a:rPr>
-                        <m:t> </m:t>
-                      </m:r>
-                      <m:r>
-                        <m:rPr>
-                          <m:sty m:val="p"/>
-                        </m:rPr>
-                        <a:rPr lang="en-US" sz="2400" b="0" i="0" smtClean="0">
-                          <a:latin typeface="Cambria Math" panose="02040503050406030204" pitchFamily="18" charset="0"/>
-                        </a:rPr>
-                        <m:t>at</m:t>
-                      </m:r>
-                      <m:r>
-                        <a:rPr lang="en-US" sz="2400" b="0" i="0" smtClean="0">
-                          <a:latin typeface="Cambria Math" panose="02040503050406030204" pitchFamily="18" charset="0"/>
-                        </a:rPr>
-                        <m:t> </m:t>
-                      </m:r>
-                      <m:r>
-                        <m:rPr>
-                          <m:sty m:val="p"/>
-                        </m:rPr>
-                        <a:rPr lang="en-US" sz="2400" b="0" i="0" smtClean="0">
-                          <a:latin typeface="Cambria Math" panose="02040503050406030204" pitchFamily="18" charset="0"/>
-                        </a:rPr>
-                        <m:t>least</m:t>
-                      </m:r>
-                      <m:r>
-                        <a:rPr lang="en-US" sz="2400" b="0" i="0" smtClean="0">
-                          <a:latin typeface="Cambria Math" panose="02040503050406030204" pitchFamily="18" charset="0"/>
-                        </a:rPr>
-                        <m:t> </m:t>
-                      </m:r>
-                      <m:r>
-                        <m:rPr>
-                          <m:sty m:val="p"/>
-                        </m:rPr>
-                        <a:rPr lang="en-US" sz="2400" b="0" i="0" smtClean="0">
-                          <a:latin typeface="Cambria Math" panose="02040503050406030204" pitchFamily="18" charset="0"/>
-                        </a:rPr>
-                        <m:t>one</m:t>
-                      </m:r>
-                      <m:r>
-                        <a:rPr lang="en-US" sz="2400" b="0" i="0" smtClean="0">
-                          <a:latin typeface="Cambria Math" panose="02040503050406030204" pitchFamily="18" charset="0"/>
-                        </a:rPr>
-                        <m:t> </m:t>
-                      </m:r>
-                      <m:r>
-                        <m:rPr>
-                          <m:sty m:val="p"/>
-                        </m:rPr>
-                        <a:rPr lang="en-US" sz="2400" b="0" i="0" smtClean="0">
-                          <a:latin typeface="Cambria Math" panose="02040503050406030204" pitchFamily="18" charset="0"/>
-                        </a:rPr>
-                        <m:t>of</m:t>
-                      </m:r>
-                      <m:r>
-                        <a:rPr lang="en-US" sz="2400" b="0" i="0" smtClean="0">
-                          <a:latin typeface="Cambria Math" panose="02040503050406030204" pitchFamily="18" charset="0"/>
-                        </a:rPr>
-                        <m:t> </m:t>
-                      </m:r>
-                      <m:r>
-                        <m:rPr>
-                          <m:sty m:val="p"/>
-                        </m:rPr>
-                        <a:rPr lang="en-US" sz="2400" b="0" i="0" smtClean="0">
-                          <a:latin typeface="Cambria Math" panose="02040503050406030204" pitchFamily="18" charset="0"/>
-                        </a:rPr>
-                        <m:t>predictors</m:t>
-                      </m:r>
-                      <m:r>
-                        <a:rPr lang="en-US" sz="2400" b="0" i="0" smtClean="0">
-                          <a:latin typeface="Cambria Math" panose="02040503050406030204" pitchFamily="18" charset="0"/>
-                        </a:rPr>
-                        <m:t> </m:t>
-                      </m:r>
-                      <m:r>
-                        <m:rPr>
-                          <m:sty m:val="p"/>
-                        </m:rPr>
-                        <a:rPr lang="en-US" sz="2400" b="0" i="0" smtClean="0">
-                          <a:latin typeface="Cambria Math" panose="02040503050406030204" pitchFamily="18" charset="0"/>
-                        </a:rPr>
-                        <m:t>in</m:t>
-                      </m:r>
-                      <m:r>
-                        <a:rPr lang="en-US" sz="2400" b="0" i="0" smtClean="0">
-                          <a:latin typeface="Cambria Math" panose="02040503050406030204" pitchFamily="18" charset="0"/>
-                        </a:rPr>
-                        <m:t> </m:t>
-                      </m:r>
-                      <m:r>
-                        <m:rPr>
-                          <m:sty m:val="p"/>
-                        </m:rPr>
-                        <a:rPr lang="en-US" sz="2400" b="0" i="0" smtClean="0">
-                          <a:latin typeface="Cambria Math" panose="02040503050406030204" pitchFamily="18" charset="0"/>
-                        </a:rPr>
-                        <m:t>subset</m:t>
-                      </m:r>
-                    </m:oMath>
-                  </m:oMathPara>
-                </a14:m>
-                <a:endParaRPr lang="en-US" sz="2400" dirty="0"/>
-              </a:p>
-            </p:txBody>
-          </p:sp>
-        </mc:Choice>
-        <mc:Fallback xmlns="">
-          <p:sp>
-            <p:nvSpPr>
-              <p:cNvPr id="4" name="TextBox 3">
-                <a:extLst>
-                  <a:ext uri="{FF2B5EF4-FFF2-40B4-BE49-F238E27FC236}">
-                    <a16:creationId xmlns:a16="http://schemas.microsoft.com/office/drawing/2014/main" id="{4C207FC5-2C96-37A2-5BDE-93F92CE540D7}"/>
-                  </a:ext>
-                </a:extLst>
-              </p:cNvPr>
-              <p:cNvSpPr txBox="1">
-                <a:spLocks noRot="1" noChangeAspect="1" noMove="1" noResize="1" noEditPoints="1" noAdjustHandles="1" noChangeArrowheads="1" noChangeShapeType="1" noTextEdit="1"/>
-              </p:cNvSpPr>
-              <p:nvPr/>
-            </p:nvSpPr>
-            <p:spPr>
-              <a:xfrm>
-                <a:off x="3810000" y="3298074"/>
-                <a:ext cx="7086600" cy="461665"/>
-              </a:xfrm>
-              <a:prstGeom prst="rect">
-                <a:avLst/>
-              </a:prstGeom>
-              <a:blipFill>
-                <a:blip r:embed="rId4"/>
-                <a:stretch>
-                  <a:fillRect l="-172" b="-17105"/>
-                </a:stretch>
-              </a:blipFill>
-            </p:spPr>
-            <p:txBody>
-              <a:bodyPr/>
-              <a:lstStyle/>
-              <a:p>
-                <a:r>
-                  <a:rPr lang="en-US">
-                    <a:noFill/>
-                  </a:rPr>
-                  <a:t> </a:t>
-                </a:r>
-              </a:p>
-            </p:txBody>
-          </p:sp>
-        </mc:Fallback>
-      </mc:AlternateContent>
-    </p:spTree>
-    <p:extLst>
-      <p:ext uri="{BB962C8B-B14F-4D97-AF65-F5344CB8AC3E}">
-        <p14:creationId xmlns:p14="http://schemas.microsoft.com/office/powerpoint/2010/main" val="3023715144"/>
-      </p:ext>
-    </p:extLst>
-  </p:cSld>
-  <p:clrMapOvr>
-    <a:masterClrMapping/>
-  </p:clrMapOvr>
-</p:sld>
-</file>
-
-<file path=ppt/slides/slide6.xml><?xml version="1.0" encoding="utf-8"?>
-<p:sld xmlns:a="http://schemas.openxmlformats.org/drawingml/2006/main" xmlns:r="http://schemas.openxmlformats.org/officeDocument/2006/relationships" xmlns:p="http://schemas.openxmlformats.org/presentationml/2006/main">
-  <p:cSld>
-    <p:spTree>
-      <p:nvGrpSpPr>
-        <p:cNvPr id="1" name=""/>
-        <p:cNvGrpSpPr/>
-        <p:nvPr/>
-      </p:nvGrpSpPr>
-      <p:grpSpPr>
-        <a:xfrm>
-          <a:off x="0" y="0"/>
-          <a:ext cx="0" cy="0"/>
-          <a:chOff x="0" y="0"/>
-          <a:chExt cx="0" cy="0"/>
-        </a:xfrm>
-      </p:grpSpPr>
-      <p:pic>
-        <p:nvPicPr>
-          <p:cNvPr id="2" name="Picture 10" descr="Mario Pattern">
-            <a:extLst>
-              <a:ext uri="{FF2B5EF4-FFF2-40B4-BE49-F238E27FC236}">
-                <a16:creationId xmlns:a16="http://schemas.microsoft.com/office/drawing/2014/main" id="{8F84FFD9-23AF-75F7-6DAA-904525952142}"/>
-              </a:ext>
-            </a:extLst>
-          </p:cNvPr>
-          <p:cNvPicPr>
-            <a:picLocks noChangeAspect="1" noChangeArrowheads="1"/>
-          </p:cNvPicPr>
-          <p:nvPr/>
-        </p:nvPicPr>
-        <p:blipFill rotWithShape="1">
-          <a:blip r:embed="rId2">
-            <a:alphaModFix amt="47000"/>
-            <a:extLst>
-              <a:ext uri="{28A0092B-C50C-407E-A947-70E740481C1C}">
-                <a14:useLocalDpi xmlns:a14="http://schemas.microsoft.com/office/drawing/2010/main" val="0"/>
-              </a:ext>
-            </a:extLst>
-          </a:blip>
-          <a:srcRect l="4595" r="6699"/>
-          <a:stretch/>
-        </p:blipFill>
-        <p:spPr bwMode="auto">
-          <a:xfrm>
-            <a:off x="0" y="-2057400"/>
-            <a:ext cx="12192000" cy="10308201"/>
-          </a:xfrm>
-          <a:prstGeom prst="rect">
-            <a:avLst/>
-          </a:prstGeom>
-          <a:noFill/>
-          <a:extLst>
-            <a:ext uri="{909E8E84-426E-40DD-AFC4-6F175D3DCCD1}">
-              <a14:hiddenFill xmlns:a14="http://schemas.microsoft.com/office/drawing/2010/main">
-                <a:solidFill>
-                  <a:srgbClr val="FFFFFF"/>
-                </a:solidFill>
-              </a14:hiddenFill>
-            </a:ext>
-          </a:extLst>
-        </p:spPr>
-      </p:pic>
-      <p:sp>
-        <p:nvSpPr>
-          <p:cNvPr id="12" name="Line 11"/>
-          <p:cNvSpPr>
-            <a:spLocks noChangeShapeType="1"/>
-          </p:cNvSpPr>
-          <p:nvPr/>
-        </p:nvSpPr>
-        <p:spPr bwMode="auto">
-          <a:xfrm flipV="1">
-            <a:off x="6972300" y="5109836"/>
-            <a:ext cx="609600" cy="533400"/>
-          </a:xfrm>
-          <a:prstGeom prst="line">
-            <a:avLst/>
-          </a:prstGeom>
-          <a:noFill/>
-          <a:ln w="38100">
-            <a:solidFill>
-              <a:srgbClr val="FFFF66"/>
-            </a:solidFill>
-            <a:round/>
-            <a:headEnd/>
-            <a:tailEnd type="triangle" w="med" len="med"/>
-          </a:ln>
-          <a:extLst>
-            <a:ext uri="{909E8E84-426E-40DD-AFC4-6F175D3DCCD1}">
-              <a14:hiddenFill xmlns:a14="http://schemas.microsoft.com/office/drawing/2010/main">
-                <a:noFill/>
-              </a14:hiddenFill>
-            </a:ext>
-          </a:extLst>
-        </p:spPr>
-        <p:txBody>
-          <a:bodyPr wrap="square">
-            <a:spAutoFit/>
-          </a:bodyPr>
-          <a:lstStyle/>
-          <a:p>
-            <a:endParaRPr lang="en-US"/>
-          </a:p>
-        </p:txBody>
-      </p:sp>
-      <p:sp>
-        <p:nvSpPr>
-          <p:cNvPr id="6" name="TextBox 5">
-            <a:extLst>
-              <a:ext uri="{FF2B5EF4-FFF2-40B4-BE49-F238E27FC236}">
-                <a16:creationId xmlns:a16="http://schemas.microsoft.com/office/drawing/2014/main" id="{4F2DA592-D8EB-70BA-2112-6C13A4E7B393}"/>
-              </a:ext>
-            </a:extLst>
-          </p:cNvPr>
-          <p:cNvSpPr txBox="1"/>
-          <p:nvPr/>
-        </p:nvSpPr>
-        <p:spPr>
-          <a:xfrm>
-            <a:off x="457200" y="609600"/>
-            <a:ext cx="11201400" cy="919401"/>
-          </a:xfrm>
-          <a:prstGeom prst="roundRect">
-            <a:avLst/>
-          </a:prstGeom>
-          <a:solidFill>
-            <a:schemeClr val="bg1">
-              <a:alpha val="70000"/>
-            </a:schemeClr>
-          </a:solidFill>
-          <a:ln w="76200">
-            <a:solidFill>
-              <a:srgbClr val="FFC416"/>
-            </a:solidFill>
-          </a:ln>
-        </p:spPr>
-        <p:style>
-          <a:lnRef idx="2">
-            <a:schemeClr val="dk1"/>
-          </a:lnRef>
-          <a:fillRef idx="1">
-            <a:schemeClr val="lt1"/>
-          </a:fillRef>
-          <a:effectRef idx="0">
-            <a:schemeClr val="dk1"/>
-          </a:effectRef>
-          <a:fontRef idx="minor">
-            <a:schemeClr val="dk1"/>
-          </a:fontRef>
-        </p:style>
-        <p:txBody>
-          <a:bodyPr wrap="square" rtlCol="0">
-            <a:spAutoFit/>
-          </a:bodyPr>
-          <a:lstStyle/>
-          <a:p>
-            <a:pPr algn="ctr"/>
-            <a:r>
-              <a:rPr lang="en-US" sz="4800" b="1" dirty="0">
-                <a:solidFill>
-                  <a:srgbClr val="2D3A37"/>
-                </a:solidFill>
-                <a:latin typeface="Adobe Devanagari" panose="02040503050201020203" pitchFamily="18" charset="0"/>
-                <a:cs typeface="Adobe Devanagari" panose="02040503050201020203" pitchFamily="18" charset="0"/>
-              </a:rPr>
-              <a:t>Nested F-Test</a:t>
-            </a:r>
-            <a:endParaRPr lang="en-US" sz="4800" dirty="0">
-              <a:solidFill>
-                <a:srgbClr val="2D3A37"/>
-              </a:solidFill>
-            </a:endParaRPr>
-          </a:p>
-        </p:txBody>
-      </p:sp>
-      <p:sp>
-        <p:nvSpPr>
-          <p:cNvPr id="7" name="TextBox 6">
-            <a:extLst>
-              <a:ext uri="{FF2B5EF4-FFF2-40B4-BE49-F238E27FC236}">
-                <a16:creationId xmlns:a16="http://schemas.microsoft.com/office/drawing/2014/main" id="{D9B238EA-D04E-3255-7509-F990F1A8F309}"/>
-              </a:ext>
-            </a:extLst>
-          </p:cNvPr>
-          <p:cNvSpPr txBox="1"/>
-          <p:nvPr/>
-        </p:nvSpPr>
-        <p:spPr>
-          <a:xfrm>
-            <a:off x="457200" y="1981200"/>
-            <a:ext cx="11201400" cy="4869418"/>
-          </a:xfrm>
-          <a:prstGeom prst="roundRect">
-            <a:avLst/>
-          </a:prstGeom>
-          <a:solidFill>
-            <a:schemeClr val="bg1"/>
-          </a:solidFill>
-          <a:ln w="76200">
-            <a:solidFill>
-              <a:srgbClr val="FFC416"/>
-            </a:solidFill>
-          </a:ln>
-        </p:spPr>
-        <p:style>
-          <a:lnRef idx="2">
-            <a:schemeClr val="dk1"/>
-          </a:lnRef>
-          <a:fillRef idx="1">
-            <a:schemeClr val="lt1"/>
-          </a:fillRef>
-          <a:effectRef idx="0">
-            <a:schemeClr val="dk1"/>
-          </a:effectRef>
-          <a:fontRef idx="minor">
-            <a:schemeClr val="dk1"/>
-          </a:fontRef>
-        </p:style>
-        <p:txBody>
-          <a:bodyPr wrap="square" rtlCol="0">
-            <a:spAutoFit/>
-          </a:bodyPr>
-          <a:lstStyle/>
-          <a:p>
-            <a:pPr marL="457200" indent="-457200">
-              <a:buFont typeface="Arial" panose="020B0604020202020204" pitchFamily="34" charset="0"/>
-              <a:buChar char="•"/>
-            </a:pPr>
-            <a:r>
-              <a:rPr lang="en-US" sz="2800" dirty="0">
-                <a:solidFill>
-                  <a:srgbClr val="660066"/>
-                </a:solidFill>
-              </a:rPr>
-              <a:t>Nested F-Test (Continued)</a:t>
-            </a:r>
-          </a:p>
-          <a:p>
-            <a:pPr marL="914400" lvl="1" indent="-457200">
-              <a:buFont typeface="Arial" panose="020B0604020202020204" pitchFamily="34" charset="0"/>
-              <a:buChar char="•"/>
-            </a:pPr>
-            <a:r>
-              <a:rPr lang="en-US" sz="2800" dirty="0">
-                <a:solidFill>
-                  <a:srgbClr val="660066"/>
-                </a:solidFill>
-              </a:rPr>
-              <a:t>Fit Both Linear Regression Models to Get </a:t>
-            </a:r>
-            <a:r>
-              <a:rPr lang="en-US" sz="2800" i="1" dirty="0" err="1">
-                <a:solidFill>
-                  <a:srgbClr val="660066"/>
-                </a:solidFill>
-              </a:rPr>
-              <a:t>SSModel</a:t>
-            </a:r>
-            <a:r>
-              <a:rPr lang="en-US" sz="2800" dirty="0">
-                <a:solidFill>
-                  <a:srgbClr val="660066"/>
-                </a:solidFill>
-              </a:rPr>
-              <a:t> and </a:t>
-            </a:r>
-            <a:r>
-              <a:rPr lang="en-US" sz="2800" i="1" dirty="0">
-                <a:solidFill>
-                  <a:srgbClr val="660066"/>
-                </a:solidFill>
-              </a:rPr>
-              <a:t>SSE</a:t>
+              <a:t>Evaluate Prediction Accuracy Using Metric (i.e. RMSE)</a:t>
             </a:r>
           </a:p>
           <a:p>
@@ -7829,14 +6629,11 @@
               <a:buFont typeface="Arial" panose="020B0604020202020204" pitchFamily="34" charset="0"/>
               <a:buChar char="•"/>
             </a:pPr>
-            <a:r>
-              <a:rPr lang="en-US" sz="2800" dirty="0">
-                <a:solidFill>
-                  <a:srgbClr val="660066"/>
-                </a:solidFill>
-              </a:rPr>
-              <a:t>Test Statistic:</a:t>
-            </a:r>
+            <a:endParaRPr lang="en-US" sz="2800" dirty="0">
+              <a:solidFill>
+                <a:srgbClr val="660066"/>
+              </a:solidFill>
+            </a:endParaRPr>
           </a:p>
           <a:p>
             <a:pPr marL="914400" lvl="1" indent="-457200">
@@ -7854,55 +6651,25 @@
               <a:buFont typeface="Arial" panose="020B0604020202020204" pitchFamily="34" charset="0"/>
               <a:buChar char="•"/>
             </a:pPr>
-            <a:endParaRPr lang="en-US" sz="2800" dirty="0">
-              <a:solidFill>
-                <a:srgbClr val="660066"/>
-              </a:solidFill>
-            </a:endParaRPr>
-          </a:p>
-          <a:p>
-            <a:pPr marL="914400" lvl="1" indent="-457200">
-              <a:buFont typeface="Arial" panose="020B0604020202020204" pitchFamily="34" charset="0"/>
-              <a:buChar char="•"/>
-            </a:pPr>
-            <a:endParaRPr lang="en-US" sz="2800" dirty="0">
-              <a:solidFill>
-                <a:srgbClr val="660066"/>
-              </a:solidFill>
-            </a:endParaRPr>
-          </a:p>
-          <a:p>
-            <a:pPr marL="914400" lvl="1" indent="-457200">
-              <a:buFont typeface="Arial" panose="020B0604020202020204" pitchFamily="34" charset="0"/>
-              <a:buChar char="•"/>
-            </a:pPr>
             <a:r>
               <a:rPr lang="en-US" sz="2800" dirty="0">
                 <a:solidFill>
                   <a:srgbClr val="660066"/>
                 </a:solidFill>
               </a:rPr>
-              <a:t>P-value: Use F-distribution Where the Numerator Degrees of Freedom is the Number of Predictors in Subset and the Denominator Degrees of Freedom is </a:t>
-            </a:r>
-            <a:r>
-              <a:rPr lang="en-US" sz="2800" i="1" dirty="0">
-                <a:solidFill>
-                  <a:srgbClr val="660066"/>
-                </a:solidFill>
-              </a:rPr>
-              <a:t>n-k-1</a:t>
-            </a:r>
-          </a:p>
-        </p:txBody>
-      </p:sp>
-      <mc:AlternateContent xmlns:mc="http://schemas.openxmlformats.org/markup-compatibility/2006" xmlns:a14="http://schemas.microsoft.com/office/drawing/2010/main">
-        <mc:Choice Requires="a14">
+              <a:t>Compare RMSE in Training Set to RMSE in Testing Set</a:t>
+            </a:r>
+          </a:p>
+        </p:txBody>
+      </p:sp>
+      <mc:AlternateContent xmlns:mc="http://schemas.openxmlformats.org/markup-compatibility/2006">
+        <mc:Choice xmlns:a14="http://schemas.microsoft.com/office/drawing/2010/main" Requires="a14">
           <p:sp>
             <p:nvSpPr>
-              <p:cNvPr id="4" name="TextBox 3">
+              <p:cNvPr id="3" name="TextBox 2">
                 <a:extLst>
                   <a:ext uri="{FF2B5EF4-FFF2-40B4-BE49-F238E27FC236}">
-                    <a16:creationId xmlns:a16="http://schemas.microsoft.com/office/drawing/2014/main" id="{4C207FC5-2C96-37A2-5BDE-93F92CE540D7}"/>
+                    <a16:creationId xmlns:a16="http://schemas.microsoft.com/office/drawing/2014/main" id="{99ADD19A-42E8-552D-21AB-52427A015A6C}"/>
                   </a:ext>
                 </a:extLst>
               </p:cNvPr>
@@ -7911,331 +6678,8 @@
             </p:nvSpPr>
             <p:spPr>
               <a:xfrm>
-                <a:off x="1524000" y="4114800"/>
-                <a:ext cx="9601200" cy="910442"/>
-              </a:xfrm>
-              <a:prstGeom prst="rect">
-                <a:avLst/>
-              </a:prstGeom>
-              <a:noFill/>
-            </p:spPr>
-            <p:txBody>
-              <a:bodyPr wrap="square" rtlCol="0">
-                <a:spAutoFit/>
-              </a:bodyPr>
-              <a:lstStyle/>
-              <a:p>
-                <a:pPr/>
-                <a14:m>
-                  <m:oMathPara xmlns:m="http://schemas.openxmlformats.org/officeDocument/2006/math">
-                    <m:oMathParaPr>
-                      <m:jc m:val="left"/>
-                    </m:oMathParaPr>
-                    <m:oMath xmlns:m="http://schemas.openxmlformats.org/officeDocument/2006/math">
-                      <m:sSup>
-                        <m:sSupPr>
-                          <m:ctrlPr>
-                            <a:rPr lang="en-US" sz="2400" b="0" i="1" smtClean="0">
-                              <a:latin typeface="Cambria Math" panose="02040503050406030204" pitchFamily="18" charset="0"/>
-                            </a:rPr>
-                          </m:ctrlPr>
-                        </m:sSupPr>
-                        <m:e>
-                          <m:r>
-                            <a:rPr lang="en-US" sz="2400" b="0" i="1" smtClean="0">
-                              <a:latin typeface="Cambria Math" panose="02040503050406030204" pitchFamily="18" charset="0"/>
-                            </a:rPr>
-                            <m:t>𝐹</m:t>
-                          </m:r>
-                        </m:e>
-                        <m:sup>
-                          <m:r>
-                            <a:rPr lang="en-US" sz="2400" b="0" i="1" smtClean="0">
-                              <a:latin typeface="Cambria Math" panose="02040503050406030204" pitchFamily="18" charset="0"/>
-                            </a:rPr>
-                            <m:t>∗</m:t>
-                          </m:r>
-                        </m:sup>
-                      </m:sSup>
-                      <m:r>
-                        <a:rPr lang="en-US" sz="2400" b="0" i="1" smtClean="0">
-                          <a:latin typeface="Cambria Math" panose="02040503050406030204" pitchFamily="18" charset="0"/>
-                        </a:rPr>
-                        <m:t>= </m:t>
-                      </m:r>
-                      <m:f>
-                        <m:fPr>
-                          <m:ctrlPr>
-                            <a:rPr lang="en-US" sz="2400" b="0" i="1" smtClean="0">
-                              <a:latin typeface="Cambria Math" panose="02040503050406030204" pitchFamily="18" charset="0"/>
-                            </a:rPr>
-                          </m:ctrlPr>
-                        </m:fPr>
-                        <m:num>
-                          <m:r>
-                            <a:rPr lang="en-US" sz="2400" b="0" i="1" smtClean="0">
-                              <a:latin typeface="Cambria Math" panose="02040503050406030204" pitchFamily="18" charset="0"/>
-                            </a:rPr>
-                            <m:t>(</m:t>
-                          </m:r>
-                          <m:r>
-                            <a:rPr lang="en-US" sz="2400" b="0" i="1" smtClean="0">
-                              <a:latin typeface="Cambria Math" panose="02040503050406030204" pitchFamily="18" charset="0"/>
-                            </a:rPr>
-                            <m:t>𝑆𝑆𝑀𝑜𝑑𝑒</m:t>
-                          </m:r>
-                          <m:sSub>
-                            <m:sSubPr>
-                              <m:ctrlPr>
-                                <a:rPr lang="en-US" sz="2400" b="0" i="1" smtClean="0">
-                                  <a:latin typeface="Cambria Math" panose="02040503050406030204" pitchFamily="18" charset="0"/>
-                                </a:rPr>
-                              </m:ctrlPr>
-                            </m:sSubPr>
-                            <m:e>
-                              <m:r>
-                                <a:rPr lang="en-US" sz="2400" b="0" i="1" smtClean="0">
-                                  <a:latin typeface="Cambria Math" panose="02040503050406030204" pitchFamily="18" charset="0"/>
-                                </a:rPr>
-                                <m:t>𝑙</m:t>
-                              </m:r>
-                            </m:e>
-                            <m:sub>
-                              <m:r>
-                                <a:rPr lang="en-US" sz="2400" b="0" i="1" smtClean="0">
-                                  <a:latin typeface="Cambria Math" panose="02040503050406030204" pitchFamily="18" charset="0"/>
-                                </a:rPr>
-                                <m:t>𝑓𝑢𝑙𝑙</m:t>
-                              </m:r>
-                            </m:sub>
-                          </m:sSub>
-                          <m:r>
-                            <a:rPr lang="en-US" sz="2400" b="0" i="1" smtClean="0">
-                              <a:latin typeface="Cambria Math" panose="02040503050406030204" pitchFamily="18" charset="0"/>
-                            </a:rPr>
-                            <m:t>−</m:t>
-                          </m:r>
-                          <m:r>
-                            <a:rPr lang="en-US" sz="2400" b="0" i="1" smtClean="0">
-                              <a:latin typeface="Cambria Math" panose="02040503050406030204" pitchFamily="18" charset="0"/>
-                            </a:rPr>
-                            <m:t>𝑆𝑆𝑀𝑜𝑑𝑒</m:t>
-                          </m:r>
-                          <m:sSub>
-                            <m:sSubPr>
-                              <m:ctrlPr>
-                                <a:rPr lang="en-US" sz="2400" b="0" i="1" smtClean="0">
-                                  <a:latin typeface="Cambria Math" panose="02040503050406030204" pitchFamily="18" charset="0"/>
-                                </a:rPr>
-                              </m:ctrlPr>
-                            </m:sSubPr>
-                            <m:e>
-                              <m:r>
-                                <a:rPr lang="en-US" sz="2400" b="0" i="1" smtClean="0">
-                                  <a:latin typeface="Cambria Math" panose="02040503050406030204" pitchFamily="18" charset="0"/>
-                                </a:rPr>
-                                <m:t>𝑙</m:t>
-                              </m:r>
-                            </m:e>
-                            <m:sub>
-                              <m:r>
-                                <a:rPr lang="en-US" sz="2400" b="0" i="1" smtClean="0">
-                                  <a:latin typeface="Cambria Math" panose="02040503050406030204" pitchFamily="18" charset="0"/>
-                                </a:rPr>
-                                <m:t>𝑟𝑒𝑑𝑢𝑐𝑒𝑑</m:t>
-                              </m:r>
-                            </m:sub>
-                          </m:sSub>
-                          <m:r>
-                            <a:rPr lang="en-US" sz="2400" b="0" i="1" smtClean="0">
-                              <a:latin typeface="Cambria Math" panose="02040503050406030204" pitchFamily="18" charset="0"/>
-                            </a:rPr>
-                            <m:t>)/(# </m:t>
-                          </m:r>
-                          <m:r>
-                            <a:rPr lang="en-US" sz="2400" b="0" i="1" smtClean="0">
-                              <a:latin typeface="Cambria Math" panose="02040503050406030204" pitchFamily="18" charset="0"/>
-                            </a:rPr>
-                            <m:t>𝑜𝑓</m:t>
-                          </m:r>
-                          <m:r>
-                            <a:rPr lang="en-US" sz="2400" b="0" i="1" smtClean="0">
-                              <a:latin typeface="Cambria Math" panose="02040503050406030204" pitchFamily="18" charset="0"/>
-                            </a:rPr>
-                            <m:t> </m:t>
-                          </m:r>
-                          <m:r>
-                            <a:rPr lang="en-US" sz="2400" b="0" i="1" smtClean="0">
-                              <a:latin typeface="Cambria Math" panose="02040503050406030204" pitchFamily="18" charset="0"/>
-                            </a:rPr>
-                            <m:t>𝑝𝑟𝑒𝑑𝑖𝑐𝑡𝑜𝑟𝑠</m:t>
-                          </m:r>
-                          <m:r>
-                            <a:rPr lang="en-US" sz="2400" b="0" i="1" smtClean="0">
-                              <a:latin typeface="Cambria Math" panose="02040503050406030204" pitchFamily="18" charset="0"/>
-                            </a:rPr>
-                            <m:t> </m:t>
-                          </m:r>
-                          <m:r>
-                            <a:rPr lang="en-US" sz="2400" b="0" i="1" smtClean="0">
-                              <a:latin typeface="Cambria Math" panose="02040503050406030204" pitchFamily="18" charset="0"/>
-                            </a:rPr>
-                            <m:t>𝑖𝑛</m:t>
-                          </m:r>
-                          <m:r>
-                            <a:rPr lang="en-US" sz="2400" b="0" i="1" smtClean="0">
-                              <a:latin typeface="Cambria Math" panose="02040503050406030204" pitchFamily="18" charset="0"/>
-                            </a:rPr>
-                            <m:t> </m:t>
-                          </m:r>
-                          <m:r>
-                            <a:rPr lang="en-US" sz="2400" b="0" i="1" smtClean="0">
-                              <a:latin typeface="Cambria Math" panose="02040503050406030204" pitchFamily="18" charset="0"/>
-                            </a:rPr>
-                            <m:t>𝑠𝑢𝑏𝑠𝑒𝑡</m:t>
-                          </m:r>
-                          <m:r>
-                            <a:rPr lang="en-US" sz="2400" b="0" i="1" smtClean="0">
-                              <a:latin typeface="Cambria Math" panose="02040503050406030204" pitchFamily="18" charset="0"/>
-                            </a:rPr>
-                            <m:t>)</m:t>
-                          </m:r>
-                        </m:num>
-                        <m:den>
-                          <m:r>
-                            <a:rPr lang="en-US" sz="2400" b="0" i="1" smtClean="0">
-                              <a:latin typeface="Cambria Math" panose="02040503050406030204" pitchFamily="18" charset="0"/>
-                            </a:rPr>
-                            <m:t>𝑆𝑆</m:t>
-                          </m:r>
-                          <m:sSub>
-                            <m:sSubPr>
-                              <m:ctrlPr>
-                                <a:rPr lang="en-US" sz="2400" b="0" i="1" smtClean="0">
-                                  <a:latin typeface="Cambria Math" panose="02040503050406030204" pitchFamily="18" charset="0"/>
-                                </a:rPr>
-                              </m:ctrlPr>
-                            </m:sSubPr>
-                            <m:e>
-                              <m:r>
-                                <a:rPr lang="en-US" sz="2400" b="0" i="1" smtClean="0">
-                                  <a:latin typeface="Cambria Math" panose="02040503050406030204" pitchFamily="18" charset="0"/>
-                                </a:rPr>
-                                <m:t>𝐸</m:t>
-                              </m:r>
-                            </m:e>
-                            <m:sub>
-                              <m:r>
-                                <a:rPr lang="en-US" sz="2400" b="0" i="1" smtClean="0">
-                                  <a:latin typeface="Cambria Math" panose="02040503050406030204" pitchFamily="18" charset="0"/>
-                                </a:rPr>
-                                <m:t>𝑓𝑢𝑙𝑙</m:t>
-                              </m:r>
-                            </m:sub>
-                          </m:sSub>
-                          <m:r>
-                            <a:rPr lang="en-US" sz="2400" b="0" i="1" smtClean="0">
-                              <a:latin typeface="Cambria Math" panose="02040503050406030204" pitchFamily="18" charset="0"/>
-                            </a:rPr>
-                            <m:t>/(</m:t>
-                          </m:r>
-                          <m:r>
-                            <a:rPr lang="en-US" sz="2400" b="0" i="1" smtClean="0">
-                              <a:latin typeface="Cambria Math" panose="02040503050406030204" pitchFamily="18" charset="0"/>
-                            </a:rPr>
-                            <m:t>𝑛</m:t>
-                          </m:r>
-                          <m:r>
-                            <a:rPr lang="en-US" sz="2400" b="0" i="1" smtClean="0">
-                              <a:latin typeface="Cambria Math" panose="02040503050406030204" pitchFamily="18" charset="0"/>
-                            </a:rPr>
-                            <m:t>−</m:t>
-                          </m:r>
-                          <m:r>
-                            <a:rPr lang="en-US" sz="2400" b="0" i="1" smtClean="0">
-                              <a:latin typeface="Cambria Math" panose="02040503050406030204" pitchFamily="18" charset="0"/>
-                            </a:rPr>
-                            <m:t>𝑘</m:t>
-                          </m:r>
-                          <m:r>
-                            <a:rPr lang="en-US" sz="2400" b="0" i="1" smtClean="0">
-                              <a:latin typeface="Cambria Math" panose="02040503050406030204" pitchFamily="18" charset="0"/>
-                            </a:rPr>
-                            <m:t>−1)</m:t>
-                          </m:r>
-                        </m:den>
-                      </m:f>
-                    </m:oMath>
-                  </m:oMathPara>
-                </a14:m>
-                <a:endParaRPr lang="en-US" sz="2400" dirty="0"/>
-              </a:p>
-            </p:txBody>
-          </p:sp>
-        </mc:Choice>
-        <mc:Fallback xmlns="">
-          <p:sp>
-            <p:nvSpPr>
-              <p:cNvPr id="4" name="TextBox 3">
-                <a:extLst>
-                  <a:ext uri="{FF2B5EF4-FFF2-40B4-BE49-F238E27FC236}">
-                    <a16:creationId xmlns:a16="http://schemas.microsoft.com/office/drawing/2014/main" id="{4C207FC5-2C96-37A2-5BDE-93F92CE540D7}"/>
-                  </a:ext>
-                </a:extLst>
-              </p:cNvPr>
-              <p:cNvSpPr txBox="1">
-                <a:spLocks noRot="1" noChangeAspect="1" noMove="1" noResize="1" noEditPoints="1" noAdjustHandles="1" noChangeArrowheads="1" noChangeShapeType="1" noTextEdit="1"/>
-              </p:cNvSpPr>
-              <p:nvPr/>
-            </p:nvSpPr>
-            <p:spPr>
-              <a:xfrm>
-                <a:off x="1524000" y="4114800"/>
-                <a:ext cx="9601200" cy="910442"/>
-              </a:xfrm>
-              <a:prstGeom prst="rect">
-                <a:avLst/>
-              </a:prstGeom>
-              <a:blipFill>
-                <a:blip r:embed="rId3"/>
-                <a:stretch>
-                  <a:fillRect/>
-                </a:stretch>
-              </a:blipFill>
-            </p:spPr>
-            <p:txBody>
-              <a:bodyPr/>
-              <a:lstStyle/>
-              <a:p>
-                <a:r>
-                  <a:rPr lang="en-US">
-                    <a:noFill/>
-                  </a:rPr>
-                  <a:t> </a:t>
-                </a:r>
-              </a:p>
-            </p:txBody>
-          </p:sp>
-        </mc:Fallback>
-      </mc:AlternateContent>
-      <mc:AlternateContent xmlns:mc="http://schemas.openxmlformats.org/markup-compatibility/2006">
-        <mc:Choice xmlns:a14="http://schemas.microsoft.com/office/drawing/2010/main" Requires="a14">
-          <p:sp>
-            <p:nvSpPr>
-              <p:cNvPr id="3" name="TextBox 2">
-                <a:extLst>
-                  <a:ext uri="{FF2B5EF4-FFF2-40B4-BE49-F238E27FC236}">
-                    <a16:creationId xmlns:a16="http://schemas.microsoft.com/office/drawing/2014/main" id="{F3DE7124-41FB-AA6B-4AA7-F9F8385451CB}"/>
-                  </a:ext>
-                </a:extLst>
-              </p:cNvPr>
-              <p:cNvSpPr txBox="1"/>
-              <p:nvPr/>
-            </p:nvSpPr>
-            <p:spPr>
-              <a:xfrm>
-                <a:off x="3429000" y="3581400"/>
-                <a:ext cx="9601200" cy="1183529"/>
+                <a:off x="1752600" y="4419600"/>
+                <a:ext cx="3200400" cy="1183529"/>
               </a:xfrm>
               <a:prstGeom prst="rect">
                 <a:avLst/>
@@ -8379,7 +6823,7 @@
               <p:cNvPr id="3" name="TextBox 2">
                 <a:extLst>
                   <a:ext uri="{FF2B5EF4-FFF2-40B4-BE49-F238E27FC236}">
-                    <a16:creationId xmlns:a16="http://schemas.microsoft.com/office/drawing/2014/main" id="{F3DE7124-41FB-AA6B-4AA7-F9F8385451CB}"/>
+                    <a16:creationId xmlns:a16="http://schemas.microsoft.com/office/drawing/2014/main" id="{99ADD19A-42E8-552D-21AB-52427A015A6C}"/>
                   </a:ext>
                 </a:extLst>
               </p:cNvPr>
@@ -8390,14 +6834,14 @@
             </p:nvSpPr>
             <p:spPr>
               <a:xfrm>
-                <a:off x="3429000" y="3581400"/>
-                <a:ext cx="9601200" cy="1183529"/>
+                <a:off x="1752600" y="4419600"/>
+                <a:ext cx="3200400" cy="1183529"/>
               </a:xfrm>
               <a:prstGeom prst="rect">
                 <a:avLst/>
               </a:prstGeom>
               <a:blipFill>
-                <a:blip r:embed="rId4"/>
+                <a:blip r:embed="rId3"/>
                 <a:stretch>
                   <a:fillRect/>
                 </a:stretch>
@@ -8418,10 +6862,91 @@
           </p:sp>
         </mc:Fallback>
       </mc:AlternateContent>
+      <p:sp>
+        <p:nvSpPr>
+          <p:cNvPr id="4" name="TextBox 3">
+            <a:extLst>
+              <a:ext uri="{FF2B5EF4-FFF2-40B4-BE49-F238E27FC236}">
+                <a16:creationId xmlns:a16="http://schemas.microsoft.com/office/drawing/2014/main" id="{091FDAE4-7550-F401-747A-6D7F7CA86E1D}"/>
+              </a:ext>
+            </a:extLst>
+          </p:cNvPr>
+          <p:cNvSpPr txBox="1"/>
+          <p:nvPr/>
+        </p:nvSpPr>
+        <p:spPr>
+          <a:xfrm>
+            <a:off x="5181600" y="5095981"/>
+            <a:ext cx="3848100" cy="400110"/>
+          </a:xfrm>
+          <a:prstGeom prst="rect">
+            <a:avLst/>
+          </a:prstGeom>
+          <a:noFill/>
+        </p:spPr>
+        <p:txBody>
+          <a:bodyPr wrap="square" rtlCol="0">
+            <a:spAutoFit/>
+          </a:bodyPr>
+          <a:lstStyle/>
+          <a:p>
+            <a:r>
+              <a:rPr lang="en-US" sz="2000" dirty="0">
+                <a:solidFill>
+                  <a:srgbClr val="660066"/>
+                </a:solidFill>
+              </a:rPr>
+              <a:t>Notice We Are Not Dividing by n-1</a:t>
+            </a:r>
+          </a:p>
+        </p:txBody>
+      </p:sp>
+      <p:cxnSp>
+        <p:nvCxnSpPr>
+          <p:cNvPr id="8" name="Straight Arrow Connector 7">
+            <a:extLst>
+              <a:ext uri="{FF2B5EF4-FFF2-40B4-BE49-F238E27FC236}">
+                <a16:creationId xmlns:a16="http://schemas.microsoft.com/office/drawing/2014/main" id="{A7BA7DAA-64EC-1C17-6358-6349E4BB9C8E}"/>
+              </a:ext>
+            </a:extLst>
+          </p:cNvPr>
+          <p:cNvCxnSpPr/>
+          <p:nvPr/>
+        </p:nvCxnSpPr>
+        <p:spPr>
+          <a:xfrm flipH="1">
+            <a:off x="4419600" y="5296036"/>
+            <a:ext cx="762000" cy="0"/>
+          </a:xfrm>
+          <a:prstGeom prst="straightConnector1">
+            <a:avLst/>
+          </a:prstGeom>
+          <a:ln w="19050">
+            <a:solidFill>
+              <a:srgbClr val="660066"/>
+            </a:solidFill>
+            <a:tailEnd type="triangle"/>
+          </a:ln>
+        </p:spPr>
+        <p:style>
+          <a:lnRef idx="1">
+            <a:schemeClr val="accent1"/>
+          </a:lnRef>
+          <a:fillRef idx="0">
+            <a:schemeClr val="accent1"/>
+          </a:fillRef>
+          <a:effectRef idx="0">
+            <a:schemeClr val="accent1"/>
+          </a:effectRef>
+          <a:fontRef idx="minor">
+            <a:schemeClr val="tx1"/>
+          </a:fontRef>
+        </p:style>
+      </p:cxnSp>
     </p:spTree>
     <p:extLst>
       <p:ext uri="{BB962C8B-B14F-4D97-AF65-F5344CB8AC3E}">
-        <p14:creationId xmlns:p14="http://schemas.microsoft.com/office/powerpoint/2010/main" val="517751344"/>
+        <p14:creationId xmlns:p14="http://schemas.microsoft.com/office/powerpoint/2010/main" val="1460005054"/>
       </p:ext>
     </p:extLst>
   </p:cSld>
@@ -8431,7 +6956,7 @@
 </p:sld>
 </file>
 
-<file path=ppt/slides/slide7.xml><?xml version="1.0" encoding="utf-8"?>
+<file path=ppt/slides/slide5.xml><?xml version="1.0" encoding="utf-8"?>
 <p:sld xmlns:a="http://schemas.openxmlformats.org/drawingml/2006/main" xmlns:r="http://schemas.openxmlformats.org/officeDocument/2006/relationships" xmlns:p="http://schemas.openxmlformats.org/presentationml/2006/main">
   <p:cSld>
     <p:spTree>
@@ -8597,7 +7122,7 @@
                 <a:latin typeface="Adobe Devanagari" panose="02040503050201020203" pitchFamily="18" charset="0"/>
                 <a:cs typeface="Adobe Devanagari" panose="02040503050201020203" pitchFamily="18" charset="0"/>
               </a:rPr>
-              <a:t>Nested F-Test</a:t>
+              <a:t>“Cross-Validation”</a:t>
             </a:r>
             <a:endParaRPr lang="en-US" sz="4800" dirty="0">
               <a:solidFill>
@@ -8607,12 +7132,420 @@
           </a:p>
         </p:txBody>
       </p:sp>
-      <p:sp>
-        <p:nvSpPr>
-          <p:cNvPr id="7" name="TextBox 6">
+      <mc:AlternateContent xmlns:mc="http://schemas.openxmlformats.org/markup-compatibility/2006">
+        <mc:Choice xmlns:a14="http://schemas.microsoft.com/office/drawing/2010/main" Requires="a14">
+          <p:sp>
+            <p:nvSpPr>
+              <p:cNvPr id="7" name="TextBox 6">
+                <a:extLst>
+                  <a:ext uri="{FF2B5EF4-FFF2-40B4-BE49-F238E27FC236}">
+                    <a16:creationId xmlns:a16="http://schemas.microsoft.com/office/drawing/2014/main" id="{D9B238EA-D04E-3255-7509-F990F1A8F309}"/>
+                  </a:ext>
+                </a:extLst>
+              </p:cNvPr>
+              <p:cNvSpPr txBox="1"/>
+              <p:nvPr/>
+            </p:nvSpPr>
+            <p:spPr>
+              <a:xfrm>
+                <a:off x="457200" y="1981200"/>
+                <a:ext cx="11201400" cy="4405461"/>
+              </a:xfrm>
+              <a:prstGeom prst="roundRect">
+                <a:avLst/>
+              </a:prstGeom>
+              <a:solidFill>
+                <a:schemeClr val="bg1"/>
+              </a:solidFill>
+              <a:ln w="76200">
+                <a:solidFill>
+                  <a:srgbClr val="FFC416"/>
+                </a:solidFill>
+              </a:ln>
+            </p:spPr>
+            <p:style>
+              <a:lnRef idx="2">
+                <a:schemeClr val="dk1"/>
+              </a:lnRef>
+              <a:fillRef idx="1">
+                <a:schemeClr val="lt1"/>
+              </a:fillRef>
+              <a:effectRef idx="0">
+                <a:schemeClr val="dk1"/>
+              </a:effectRef>
+              <a:fontRef idx="minor">
+                <a:schemeClr val="dk1"/>
+              </a:fontRef>
+            </p:style>
+            <p:txBody>
+              <a:bodyPr wrap="square" rtlCol="0">
+                <a:spAutoFit/>
+              </a:bodyPr>
+              <a:lstStyle/>
+              <a:p>
+                <a:pPr marL="457200" indent="-457200">
+                  <a:buFont typeface="Arial" panose="020B0604020202020204" pitchFamily="34" charset="0"/>
+                  <a:buChar char="•"/>
+                </a:pPr>
+                <a:r>
+                  <a:rPr lang="en-US" sz="2800" b="1" dirty="0">
+                    <a:solidFill>
+                      <a:srgbClr val="660066"/>
+                    </a:solidFill>
+                  </a:rPr>
+                  <a:t>Shrinkage</a:t>
+                </a:r>
+                <a:r>
+                  <a:rPr lang="en-US" sz="2800" dirty="0">
+                    <a:solidFill>
+                      <a:srgbClr val="660066"/>
+                    </a:solidFill>
+                  </a:rPr>
+                  <a:t>  is the Difference Between R-squared from the Model and  R-squared Calculated on Predictions from Test Set</a:t>
+                </a:r>
+              </a:p>
+              <a:p>
+                <a:pPr marL="457200" indent="-457200">
+                  <a:buFont typeface="Arial" panose="020B0604020202020204" pitchFamily="34" charset="0"/>
+                  <a:buChar char="•"/>
+                </a:pPr>
+                <a:endParaRPr lang="en-US" sz="2800" dirty="0">
+                  <a:solidFill>
+                    <a:srgbClr val="660066"/>
+                  </a:solidFill>
+                </a:endParaRPr>
+              </a:p>
+              <a:p>
+                <a:pPr marL="457200" indent="-457200">
+                  <a:buFont typeface="Arial" panose="020B0604020202020204" pitchFamily="34" charset="0"/>
+                  <a:buChar char="•"/>
+                </a:pPr>
+                <a:r>
+                  <a:rPr lang="en-US" sz="2800" dirty="0">
+                    <a:solidFill>
+                      <a:srgbClr val="660066"/>
+                    </a:solidFill>
+                  </a:rPr>
+                  <a:t>You can Use the </a:t>
+                </a:r>
+                <a:r>
+                  <a:rPr lang="en-US" sz="2800" b="1" dirty="0">
+                    <a:solidFill>
+                      <a:srgbClr val="660066"/>
+                    </a:solidFill>
+                  </a:rPr>
+                  <a:t>Correlation</a:t>
+                </a:r>
+                <a:r>
+                  <a:rPr lang="en-US" sz="2800" dirty="0">
+                    <a:solidFill>
+                      <a:srgbClr val="660066"/>
+                    </a:solidFill>
+                  </a:rPr>
+                  <a:t> Between </a:t>
+                </a:r>
+                <a14:m>
+                  <m:oMath xmlns:m="http://schemas.openxmlformats.org/officeDocument/2006/math">
+                    <m:r>
+                      <a:rPr lang="en-US" sz="2800" b="0" i="1" smtClean="0">
+                        <a:solidFill>
+                          <a:srgbClr val="660066"/>
+                        </a:solidFill>
+                        <a:latin typeface="Cambria Math" panose="02040503050406030204" pitchFamily="18" charset="0"/>
+                      </a:rPr>
+                      <m:t>𝑌</m:t>
+                    </m:r>
+                  </m:oMath>
+                </a14:m>
+                <a:r>
+                  <a:rPr lang="en-US" sz="2800" dirty="0">
+                    <a:solidFill>
+                      <a:srgbClr val="660066"/>
+                    </a:solidFill>
+                  </a:rPr>
+                  <a:t> and </a:t>
+                </a:r>
+                <a14:m>
+                  <m:oMath xmlns:m="http://schemas.openxmlformats.org/officeDocument/2006/math">
+                    <m:acc>
+                      <m:accPr>
+                        <m:chr m:val="̂"/>
+                        <m:ctrlPr>
+                          <a:rPr lang="en-US" sz="2800" b="0" i="1" smtClean="0">
+                            <a:solidFill>
+                              <a:srgbClr val="660066"/>
+                            </a:solidFill>
+                            <a:latin typeface="Cambria Math" panose="02040503050406030204" pitchFamily="18" charset="0"/>
+                          </a:rPr>
+                        </m:ctrlPr>
+                      </m:accPr>
+                      <m:e>
+                        <m:r>
+                          <a:rPr lang="en-US" sz="2800" b="0" i="1" smtClean="0">
+                            <a:solidFill>
+                              <a:srgbClr val="660066"/>
+                            </a:solidFill>
+                            <a:latin typeface="Cambria Math" panose="02040503050406030204" pitchFamily="18" charset="0"/>
+                          </a:rPr>
+                          <m:t>𝑌</m:t>
+                        </m:r>
+                      </m:e>
+                    </m:acc>
+                  </m:oMath>
+                </a14:m>
+                <a:r>
+                  <a:rPr lang="en-US" sz="2800" dirty="0">
+                    <a:solidFill>
+                      <a:srgbClr val="660066"/>
+                    </a:solidFill>
+                  </a:rPr>
+                  <a:t> to Calculate                 Out-of-Sample R-squared</a:t>
+                </a:r>
+              </a:p>
+              <a:p>
+                <a:pPr marL="457200" indent="-457200">
+                  <a:buFont typeface="Arial" panose="020B0604020202020204" pitchFamily="34" charset="0"/>
+                  <a:buChar char="•"/>
+                </a:pPr>
+                <a:endParaRPr lang="en-US" sz="2800" dirty="0">
+                  <a:solidFill>
+                    <a:srgbClr val="660066"/>
+                  </a:solidFill>
+                </a:endParaRPr>
+              </a:p>
+              <a:p>
+                <a:pPr marL="457200" indent="-457200">
+                  <a:buFont typeface="Arial" panose="020B0604020202020204" pitchFamily="34" charset="0"/>
+                  <a:buChar char="•"/>
+                </a:pPr>
+                <a:r>
+                  <a:rPr lang="en-US" sz="2800" dirty="0">
+                    <a:solidFill>
+                      <a:srgbClr val="660066"/>
+                    </a:solidFill>
+                  </a:rPr>
+                  <a:t>Book Says Shrinkage of </a:t>
+                </a:r>
+                <a:r>
+                  <a:rPr lang="en-US" sz="2800" b="1" dirty="0">
+                    <a:solidFill>
+                      <a:srgbClr val="660066"/>
+                    </a:solidFill>
+                  </a:rPr>
+                  <a:t>More Than 50% </a:t>
+                </a:r>
+                <a:r>
+                  <a:rPr lang="en-US" sz="2800" dirty="0">
+                    <a:solidFill>
+                      <a:srgbClr val="660066"/>
+                    </a:solidFill>
+                  </a:rPr>
+                  <a:t>is “Worrisome”</a:t>
+                </a:r>
+              </a:p>
+              <a:p>
+                <a:pPr marL="457200" indent="-457200">
+                  <a:buFont typeface="Arial" panose="020B0604020202020204" pitchFamily="34" charset="0"/>
+                  <a:buChar char="•"/>
+                </a:pPr>
+                <a:endParaRPr lang="en-US" sz="2800" dirty="0">
+                  <a:solidFill>
+                    <a:srgbClr val="660066"/>
+                  </a:solidFill>
+                </a:endParaRPr>
+              </a:p>
+              <a:p>
+                <a:pPr marL="457200" indent="-457200">
+                  <a:buFont typeface="Arial" panose="020B0604020202020204" pitchFamily="34" charset="0"/>
+                  <a:buChar char="•"/>
+                </a:pPr>
+                <a:r>
+                  <a:rPr lang="en-US" sz="2800" i="1" dirty="0">
+                    <a:solidFill>
+                      <a:srgbClr val="660066"/>
+                    </a:solidFill>
+                  </a:rPr>
+                  <a:t>Should We Expect Shrinkage? What Does It Attempt to Measure?</a:t>
+                </a:r>
+              </a:p>
+            </p:txBody>
+          </p:sp>
+        </mc:Choice>
+        <mc:Fallback>
+          <p:sp>
+            <p:nvSpPr>
+              <p:cNvPr id="7" name="TextBox 6">
+                <a:extLst>
+                  <a:ext uri="{FF2B5EF4-FFF2-40B4-BE49-F238E27FC236}">
+                    <a16:creationId xmlns:a16="http://schemas.microsoft.com/office/drawing/2014/main" id="{D9B238EA-D04E-3255-7509-F990F1A8F309}"/>
+                  </a:ext>
+                </a:extLst>
+              </p:cNvPr>
+              <p:cNvSpPr txBox="1">
+                <a:spLocks noRot="1" noChangeAspect="1" noMove="1" noResize="1" noEditPoints="1" noAdjustHandles="1" noChangeArrowheads="1" noChangeShapeType="1" noTextEdit="1"/>
+              </p:cNvSpPr>
+              <p:nvPr/>
+            </p:nvSpPr>
+            <p:spPr>
+              <a:xfrm>
+                <a:off x="457200" y="1981200"/>
+                <a:ext cx="11201400" cy="4405461"/>
+              </a:xfrm>
+              <a:prstGeom prst="roundRect">
+                <a:avLst/>
+              </a:prstGeom>
+              <a:blipFill>
+                <a:blip r:embed="rId3"/>
+                <a:stretch>
+                  <a:fillRect/>
+                </a:stretch>
+              </a:blipFill>
+              <a:ln w="76200">
+                <a:solidFill>
+                  <a:srgbClr val="FFC416"/>
+                </a:solidFill>
+              </a:ln>
+            </p:spPr>
+            <p:txBody>
+              <a:bodyPr/>
+              <a:lstStyle/>
+              <a:p>
+                <a:r>
+                  <a:rPr lang="en-US">
+                    <a:noFill/>
+                  </a:rPr>
+                  <a:t> </a:t>
+                </a:r>
+              </a:p>
+            </p:txBody>
+          </p:sp>
+        </mc:Fallback>
+      </mc:AlternateContent>
+    </p:spTree>
+    <p:extLst>
+      <p:ext uri="{BB962C8B-B14F-4D97-AF65-F5344CB8AC3E}">
+        <p14:creationId xmlns:p14="http://schemas.microsoft.com/office/powerpoint/2010/main" val="1056982056"/>
+      </p:ext>
+    </p:extLst>
+  </p:cSld>
+  <p:clrMapOvr>
+    <a:masterClrMapping/>
+  </p:clrMapOvr>
+</p:sld>
+</file>
+
+<file path=ppt/slides/slide6.xml><?xml version="1.0" encoding="utf-8"?>
+<p:sld xmlns:a="http://schemas.openxmlformats.org/drawingml/2006/main" xmlns:r="http://schemas.openxmlformats.org/officeDocument/2006/relationships" xmlns:p="http://schemas.openxmlformats.org/presentationml/2006/main">
+  <p:cSld>
+    <p:spTree>
+      <p:nvGrpSpPr>
+        <p:cNvPr id="1" name=""/>
+        <p:cNvGrpSpPr/>
+        <p:nvPr/>
+      </p:nvGrpSpPr>
+      <p:grpSpPr>
+        <a:xfrm>
+          <a:off x="0" y="0"/>
+          <a:ext cx="0" cy="0"/>
+          <a:chOff x="0" y="0"/>
+          <a:chExt cx="0" cy="0"/>
+        </a:xfrm>
+      </p:grpSpPr>
+      <p:pic>
+        <p:nvPicPr>
+          <p:cNvPr id="2" name="Picture 10" descr="Mario Pattern">
             <a:extLst>
               <a:ext uri="{FF2B5EF4-FFF2-40B4-BE49-F238E27FC236}">
-                <a16:creationId xmlns:a16="http://schemas.microsoft.com/office/drawing/2014/main" id="{D9B238EA-D04E-3255-7509-F990F1A8F309}"/>
+                <a16:creationId xmlns:a16="http://schemas.microsoft.com/office/drawing/2014/main" id="{8F84FFD9-23AF-75F7-6DAA-904525952142}"/>
+              </a:ext>
+            </a:extLst>
+          </p:cNvPr>
+          <p:cNvPicPr>
+            <a:picLocks noChangeAspect="1" noChangeArrowheads="1"/>
+          </p:cNvPicPr>
+          <p:nvPr/>
+        </p:nvPicPr>
+        <p:blipFill rotWithShape="1">
+          <a:blip r:embed="rId2">
+            <a:alphaModFix amt="47000"/>
+            <a:extLst>
+              <a:ext uri="{28A0092B-C50C-407E-A947-70E740481C1C}">
+                <a14:useLocalDpi xmlns:a14="http://schemas.microsoft.com/office/drawing/2010/main" val="0"/>
+              </a:ext>
+            </a:extLst>
+          </a:blip>
+          <a:srcRect l="4595" r="6699"/>
+          <a:stretch/>
+        </p:blipFill>
+        <p:spPr bwMode="auto">
+          <a:xfrm>
+            <a:off x="0" y="-2057400"/>
+            <a:ext cx="12192000" cy="10308201"/>
+          </a:xfrm>
+          <a:prstGeom prst="rect">
+            <a:avLst/>
+          </a:prstGeom>
+          <a:noFill/>
+          <a:extLst>
+            <a:ext uri="{909E8E84-426E-40DD-AFC4-6F175D3DCCD1}">
+              <a14:hiddenFill xmlns:a14="http://schemas.microsoft.com/office/drawing/2010/main">
+                <a:solidFill>
+                  <a:srgbClr val="FFFFFF"/>
+                </a:solidFill>
+              </a14:hiddenFill>
+            </a:ext>
+          </a:extLst>
+        </p:spPr>
+      </p:pic>
+      <p:sp>
+        <p:nvSpPr>
+          <p:cNvPr id="12" name="Line 11"/>
+          <p:cNvSpPr>
+            <a:spLocks noChangeShapeType="1"/>
+          </p:cNvSpPr>
+          <p:nvPr/>
+        </p:nvSpPr>
+        <p:spPr bwMode="auto">
+          <a:xfrm flipV="1">
+            <a:off x="6972300" y="5109836"/>
+            <a:ext cx="609600" cy="533400"/>
+          </a:xfrm>
+          <a:prstGeom prst="line">
+            <a:avLst/>
+          </a:prstGeom>
+          <a:noFill/>
+          <a:ln w="38100">
+            <a:solidFill>
+              <a:srgbClr val="FFFF66"/>
+            </a:solidFill>
+            <a:round/>
+            <a:headEnd/>
+            <a:tailEnd type="triangle" w="med" len="med"/>
+          </a:ln>
+          <a:extLst>
+            <a:ext uri="{909E8E84-426E-40DD-AFC4-6F175D3DCCD1}">
+              <a14:hiddenFill xmlns:a14="http://schemas.microsoft.com/office/drawing/2010/main">
+                <a:noFill/>
+              </a14:hiddenFill>
+            </a:ext>
+          </a:extLst>
+        </p:spPr>
+        <p:txBody>
+          <a:bodyPr wrap="square">
+            <a:spAutoFit/>
+          </a:bodyPr>
+          <a:lstStyle/>
+          <a:p>
+            <a:endParaRPr lang="en-US"/>
+          </a:p>
+        </p:txBody>
+      </p:sp>
+      <p:sp>
+        <p:nvSpPr>
+          <p:cNvPr id="6" name="TextBox 5">
+            <a:extLst>
+              <a:ext uri="{FF2B5EF4-FFF2-40B4-BE49-F238E27FC236}">
+                <a16:creationId xmlns:a16="http://schemas.microsoft.com/office/drawing/2014/main" id="{4F2DA592-D8EB-70BA-2112-6C13A4E7B393}"/>
               </a:ext>
             </a:extLst>
           </p:cNvPr>
@@ -8621,8 +7554,78 @@
         </p:nvSpPr>
         <p:spPr>
           <a:xfrm>
+            <a:off x="457200" y="609600"/>
+            <a:ext cx="11201400" cy="919401"/>
+          </a:xfrm>
+          <a:prstGeom prst="roundRect">
+            <a:avLst/>
+          </a:prstGeom>
+          <a:solidFill>
+            <a:schemeClr val="bg1">
+              <a:alpha val="70000"/>
+            </a:schemeClr>
+          </a:solidFill>
+          <a:ln w="76200">
+            <a:solidFill>
+              <a:srgbClr val="FFC416"/>
+            </a:solidFill>
+          </a:ln>
+        </p:spPr>
+        <p:style>
+          <a:lnRef idx="2">
+            <a:schemeClr val="dk1"/>
+          </a:lnRef>
+          <a:fillRef idx="1">
+            <a:schemeClr val="lt1"/>
+          </a:fillRef>
+          <a:effectRef idx="0">
+            <a:schemeClr val="dk1"/>
+          </a:effectRef>
+          <a:fontRef idx="minor">
+            <a:schemeClr val="dk1"/>
+          </a:fontRef>
+        </p:style>
+        <p:txBody>
+          <a:bodyPr wrap="square" rtlCol="0">
+            <a:spAutoFit/>
+          </a:bodyPr>
+          <a:lstStyle/>
+          <a:p>
+            <a:pPr algn="ctr"/>
+            <a:r>
+              <a:rPr lang="en-US" sz="4800" b="1" dirty="0">
+                <a:solidFill>
+                  <a:srgbClr val="2D3A37"/>
+                </a:solidFill>
+                <a:latin typeface="Adobe Devanagari" panose="02040503050201020203" pitchFamily="18" charset="0"/>
+                <a:cs typeface="Adobe Devanagari" panose="02040503050201020203" pitchFamily="18" charset="0"/>
+              </a:rPr>
+              <a:t>Supplement for Lecture 21 </a:t>
+            </a:r>
+            <a:endParaRPr lang="en-US" sz="4800" dirty="0">
+              <a:solidFill>
+                <a:srgbClr val="2D3A37"/>
+              </a:solidFill>
+            </a:endParaRPr>
+          </a:p>
+        </p:txBody>
+      </p:sp>
+      <p:sp>
+        <p:nvSpPr>
+          <p:cNvPr id="7" name="TextBox 6">
+            <a:extLst>
+              <a:ext uri="{FF2B5EF4-FFF2-40B4-BE49-F238E27FC236}">
+                <a16:creationId xmlns:a16="http://schemas.microsoft.com/office/drawing/2014/main" id="{D9B238EA-D04E-3255-7509-F990F1A8F309}"/>
+              </a:ext>
+            </a:extLst>
+          </p:cNvPr>
+          <p:cNvSpPr txBox="1"/>
+          <p:nvPr/>
+        </p:nvSpPr>
+        <p:spPr>
+          <a:xfrm>
             <a:off x="457200" y="1981200"/>
-            <a:ext cx="11201400" cy="4869418"/>
+            <a:ext cx="11201400" cy="2485787"/>
           </a:xfrm>
           <a:prstGeom prst="roundRect">
             <a:avLst/>
@@ -8666,50 +7669,11 @@
                   <a:srgbClr val="660066"/>
                 </a:solidFill>
               </a:rPr>
-              <a:t>Nested F-Test (Continued)</a:t>
-            </a:r>
-          </a:p>
-          <a:p>
-            <a:pPr marL="914400" lvl="1" indent="-457200">
-              <a:buFont typeface="Arial" panose="020B0604020202020204" pitchFamily="34" charset="0"/>
-              <a:buChar char="•"/>
-            </a:pPr>
-            <a:r>
-              <a:rPr lang="en-US" sz="2800" dirty="0">
-                <a:solidFill>
-                  <a:srgbClr val="660066"/>
-                </a:solidFill>
-              </a:rPr>
-              <a:t>Decision: Based Off P-value</a:t>
-            </a:r>
-          </a:p>
-          <a:p>
-            <a:pPr marL="914400" lvl="1" indent="-457200">
-              <a:buFont typeface="Arial" panose="020B0604020202020204" pitchFamily="34" charset="0"/>
-              <a:buChar char="•"/>
-            </a:pPr>
-            <a:endParaRPr lang="en-US" sz="2800" i="1" dirty="0">
-              <a:solidFill>
-                <a:srgbClr val="660066"/>
-              </a:solidFill>
-            </a:endParaRPr>
-          </a:p>
-          <a:p>
-            <a:pPr marL="914400" lvl="1" indent="-457200">
-              <a:buFont typeface="Arial" panose="020B0604020202020204" pitchFamily="34" charset="0"/>
-              <a:buChar char="•"/>
-            </a:pPr>
-            <a:r>
-              <a:rPr lang="en-US" sz="2800" dirty="0">
-                <a:solidFill>
-                  <a:srgbClr val="660066"/>
-                </a:solidFill>
-              </a:rPr>
-              <a:t>Interpret in the Context of the Data</a:t>
-            </a:r>
-          </a:p>
-          <a:p>
-            <a:pPr marL="914400" lvl="1" indent="-457200">
+              <a:t>Fit Multiple Models</a:t>
+            </a:r>
+          </a:p>
+          <a:p>
+            <a:pPr marL="457200" indent="-457200">
               <a:buFont typeface="Arial" panose="020B0604020202020204" pitchFamily="34" charset="0"/>
               <a:buChar char="•"/>
             </a:pPr>
@@ -8730,47 +7694,7 @@
                   <a:srgbClr val="660066"/>
                 </a:solidFill>
               </a:rPr>
-              <a:t>Idea: </a:t>
-            </a:r>
-            <a:r>
-              <a:rPr lang="en-US" sz="2800" i="1" dirty="0">
-                <a:solidFill>
-                  <a:srgbClr val="660066"/>
-                </a:solidFill>
-              </a:rPr>
-              <a:t>We are testing the effectiveness of </a:t>
-            </a:r>
-            <a:r>
-              <a:rPr lang="en-US" sz="2800" b="1" i="1" dirty="0">
-                <a:solidFill>
-                  <a:srgbClr val="660066"/>
-                </a:solidFill>
-              </a:rPr>
-              <a:t>adding</a:t>
-            </a:r>
-            <a:r>
-              <a:rPr lang="en-US" sz="2800" i="1" dirty="0">
-                <a:solidFill>
-                  <a:srgbClr val="660066"/>
-                </a:solidFill>
-              </a:rPr>
-              <a:t> the predictors in the subset to the </a:t>
-            </a:r>
-            <a:r>
-              <a:rPr lang="en-US" sz="2800" b="1" i="1" dirty="0">
-                <a:solidFill>
-                  <a:srgbClr val="660066"/>
-                </a:solidFill>
-              </a:rPr>
-              <a:t>reduced model </a:t>
-            </a:r>
-            <a:r>
-              <a:rPr lang="en-US" sz="2800" i="1" dirty="0">
-                <a:solidFill>
-                  <a:srgbClr val="660066"/>
-                </a:solidFill>
-              </a:rPr>
-              <a:t>and testing This subset as a group</a:t>
+              <a:t>Perform Nested F-Test</a:t>
             </a:r>
           </a:p>
           <a:p>
@@ -8778,7 +7702,7 @@
               <a:buFont typeface="Arial" panose="020B0604020202020204" pitchFamily="34" charset="0"/>
               <a:buChar char="•"/>
             </a:pPr>
-            <a:endParaRPr lang="en-US" sz="2800" i="1" dirty="0">
+            <a:endParaRPr lang="en-US" sz="2800" dirty="0">
               <a:solidFill>
                 <a:srgbClr val="660066"/>
               </a:solidFill>
@@ -8795,28 +7719,380 @@
                   <a:srgbClr val="660066"/>
                 </a:solidFill>
               </a:rPr>
-              <a:t>Appropriateness: </a:t>
-            </a:r>
-            <a:r>
-              <a:rPr lang="en-US" sz="2800" i="1" dirty="0">
+              <a:t>Perform Cross Validation</a:t>
+            </a:r>
+          </a:p>
+        </p:txBody>
+      </p:sp>
+    </p:spTree>
+    <p:extLst>
+      <p:ext uri="{BB962C8B-B14F-4D97-AF65-F5344CB8AC3E}">
+        <p14:creationId xmlns:p14="http://schemas.microsoft.com/office/powerpoint/2010/main" val="3023715144"/>
+      </p:ext>
+    </p:extLst>
+  </p:cSld>
+  <p:clrMapOvr>
+    <a:masterClrMapping/>
+  </p:clrMapOvr>
+</p:sld>
+</file>
+
+<file path=ppt/slides/slide7.xml><?xml version="1.0" encoding="utf-8"?>
+<p:sld xmlns:a="http://schemas.openxmlformats.org/drawingml/2006/main" xmlns:r="http://schemas.openxmlformats.org/officeDocument/2006/relationships" xmlns:p="http://schemas.openxmlformats.org/presentationml/2006/main">
+  <p:cSld>
+    <p:spTree>
+      <p:nvGrpSpPr>
+        <p:cNvPr id="1" name=""/>
+        <p:cNvGrpSpPr/>
+        <p:nvPr/>
+      </p:nvGrpSpPr>
+      <p:grpSpPr>
+        <a:xfrm>
+          <a:off x="0" y="0"/>
+          <a:ext cx="0" cy="0"/>
+          <a:chOff x="0" y="0"/>
+          <a:chExt cx="0" cy="0"/>
+        </a:xfrm>
+      </p:grpSpPr>
+      <p:pic>
+        <p:nvPicPr>
+          <p:cNvPr id="2" name="Picture 10" descr="Mario Pattern">
+            <a:extLst>
+              <a:ext uri="{FF2B5EF4-FFF2-40B4-BE49-F238E27FC236}">
+                <a16:creationId xmlns:a16="http://schemas.microsoft.com/office/drawing/2014/main" id="{8F84FFD9-23AF-75F7-6DAA-904525952142}"/>
+              </a:ext>
+            </a:extLst>
+          </p:cNvPr>
+          <p:cNvPicPr>
+            <a:picLocks noChangeAspect="1" noChangeArrowheads="1"/>
+          </p:cNvPicPr>
+          <p:nvPr/>
+        </p:nvPicPr>
+        <p:blipFill rotWithShape="1">
+          <a:blip r:embed="rId2">
+            <a:alphaModFix amt="47000"/>
+            <a:extLst>
+              <a:ext uri="{28A0092B-C50C-407E-A947-70E740481C1C}">
+                <a14:useLocalDpi xmlns:a14="http://schemas.microsoft.com/office/drawing/2010/main" val="0"/>
+              </a:ext>
+            </a:extLst>
+          </a:blip>
+          <a:srcRect l="4595" r="6699"/>
+          <a:stretch/>
+        </p:blipFill>
+        <p:spPr bwMode="auto">
+          <a:xfrm>
+            <a:off x="0" y="-2057400"/>
+            <a:ext cx="12192000" cy="10308201"/>
+          </a:xfrm>
+          <a:prstGeom prst="rect">
+            <a:avLst/>
+          </a:prstGeom>
+          <a:noFill/>
+          <a:extLst>
+            <a:ext uri="{909E8E84-426E-40DD-AFC4-6F175D3DCCD1}">
+              <a14:hiddenFill xmlns:a14="http://schemas.microsoft.com/office/drawing/2010/main">
+                <a:solidFill>
+                  <a:srgbClr val="FFFFFF"/>
+                </a:solidFill>
+              </a14:hiddenFill>
+            </a:ext>
+          </a:extLst>
+        </p:spPr>
+      </p:pic>
+      <p:sp>
+        <p:nvSpPr>
+          <p:cNvPr id="12" name="Line 11"/>
+          <p:cNvSpPr>
+            <a:spLocks noChangeShapeType="1"/>
+          </p:cNvSpPr>
+          <p:nvPr/>
+        </p:nvSpPr>
+        <p:spPr bwMode="auto">
+          <a:xfrm flipV="1">
+            <a:off x="6972300" y="5109836"/>
+            <a:ext cx="609600" cy="533400"/>
+          </a:xfrm>
+          <a:prstGeom prst="line">
+            <a:avLst/>
+          </a:prstGeom>
+          <a:noFill/>
+          <a:ln w="38100">
+            <a:solidFill>
+              <a:srgbClr val="FFFF66"/>
+            </a:solidFill>
+            <a:round/>
+            <a:headEnd/>
+            <a:tailEnd type="triangle" w="med" len="med"/>
+          </a:ln>
+          <a:extLst>
+            <a:ext uri="{909E8E84-426E-40DD-AFC4-6F175D3DCCD1}">
+              <a14:hiddenFill xmlns:a14="http://schemas.microsoft.com/office/drawing/2010/main">
+                <a:noFill/>
+              </a14:hiddenFill>
+            </a:ext>
+          </a:extLst>
+        </p:spPr>
+        <p:txBody>
+          <a:bodyPr wrap="square">
+            <a:spAutoFit/>
+          </a:bodyPr>
+          <a:lstStyle/>
+          <a:p>
+            <a:endParaRPr lang="en-US"/>
+          </a:p>
+        </p:txBody>
+      </p:sp>
+      <p:sp>
+        <p:nvSpPr>
+          <p:cNvPr id="6" name="TextBox 5">
+            <a:extLst>
+              <a:ext uri="{FF2B5EF4-FFF2-40B4-BE49-F238E27FC236}">
+                <a16:creationId xmlns:a16="http://schemas.microsoft.com/office/drawing/2014/main" id="{4F2DA592-D8EB-70BA-2112-6C13A4E7B393}"/>
+              </a:ext>
+            </a:extLst>
+          </p:cNvPr>
+          <p:cNvSpPr txBox="1"/>
+          <p:nvPr/>
+        </p:nvSpPr>
+        <p:spPr>
+          <a:xfrm>
+            <a:off x="457200" y="609600"/>
+            <a:ext cx="11201400" cy="919401"/>
+          </a:xfrm>
+          <a:prstGeom prst="roundRect">
+            <a:avLst/>
+          </a:prstGeom>
+          <a:solidFill>
+            <a:schemeClr val="bg1">
+              <a:alpha val="70000"/>
+            </a:schemeClr>
+          </a:solidFill>
+          <a:ln w="76200">
+            <a:solidFill>
+              <a:srgbClr val="FFC416"/>
+            </a:solidFill>
+          </a:ln>
+        </p:spPr>
+        <p:style>
+          <a:lnRef idx="2">
+            <a:schemeClr val="dk1"/>
+          </a:lnRef>
+          <a:fillRef idx="1">
+            <a:schemeClr val="lt1"/>
+          </a:fillRef>
+          <a:effectRef idx="0">
+            <a:schemeClr val="dk1"/>
+          </a:effectRef>
+          <a:fontRef idx="minor">
+            <a:schemeClr val="dk1"/>
+          </a:fontRef>
+        </p:style>
+        <p:txBody>
+          <a:bodyPr wrap="square" rtlCol="0">
+            <a:spAutoFit/>
+          </a:bodyPr>
+          <a:lstStyle/>
+          <a:p>
+            <a:pPr algn="ctr"/>
+            <a:r>
+              <a:rPr lang="en-US" sz="4800" b="1" dirty="0">
+                <a:solidFill>
+                  <a:srgbClr val="2D3A37"/>
+                </a:solidFill>
+                <a:latin typeface="Adobe Devanagari" panose="02040503050201020203" pitchFamily="18" charset="0"/>
+                <a:cs typeface="Adobe Devanagari" panose="02040503050201020203" pitchFamily="18" charset="0"/>
+              </a:rPr>
+              <a:t>Conclusion</a:t>
+            </a:r>
+            <a:endParaRPr lang="en-US" sz="4800" dirty="0">
+              <a:solidFill>
+                <a:srgbClr val="2D3A37"/>
+              </a:solidFill>
+            </a:endParaRPr>
+          </a:p>
+        </p:txBody>
+      </p:sp>
+      <p:sp>
+        <p:nvSpPr>
+          <p:cNvPr id="7" name="TextBox 6">
+            <a:extLst>
+              <a:ext uri="{FF2B5EF4-FFF2-40B4-BE49-F238E27FC236}">
+                <a16:creationId xmlns:a16="http://schemas.microsoft.com/office/drawing/2014/main" id="{D9B238EA-D04E-3255-7509-F990F1A8F309}"/>
+              </a:ext>
+            </a:extLst>
+          </p:cNvPr>
+          <p:cNvSpPr txBox="1"/>
+          <p:nvPr/>
+        </p:nvSpPr>
+        <p:spPr>
+          <a:xfrm>
+            <a:off x="457200" y="1981200"/>
+            <a:ext cx="11201400" cy="3439239"/>
+          </a:xfrm>
+          <a:prstGeom prst="roundRect">
+            <a:avLst/>
+          </a:prstGeom>
+          <a:solidFill>
+            <a:schemeClr val="bg1"/>
+          </a:solidFill>
+          <a:ln w="76200">
+            <a:solidFill>
+              <a:srgbClr val="FFC416"/>
+            </a:solidFill>
+          </a:ln>
+        </p:spPr>
+        <p:style>
+          <a:lnRef idx="2">
+            <a:schemeClr val="dk1"/>
+          </a:lnRef>
+          <a:fillRef idx="1">
+            <a:schemeClr val="lt1"/>
+          </a:fillRef>
+          <a:effectRef idx="0">
+            <a:schemeClr val="dk1"/>
+          </a:effectRef>
+          <a:fontRef idx="minor">
+            <a:schemeClr val="dk1"/>
+          </a:fontRef>
+        </p:style>
+        <p:txBody>
+          <a:bodyPr wrap="square" rtlCol="0">
+            <a:spAutoFit/>
+          </a:bodyPr>
+          <a:lstStyle/>
+          <a:p>
+            <a:pPr marL="457200" indent="-457200">
+              <a:buFont typeface="Arial" panose="020B0604020202020204" pitchFamily="34" charset="0"/>
+              <a:buChar char="•"/>
+            </a:pPr>
+            <a:r>
+              <a:rPr lang="en-US" sz="2800" dirty="0">
                 <a:solidFill>
                   <a:srgbClr val="660066"/>
                 </a:solidFill>
               </a:rPr>
-              <a:t>Only do this test if you have evidence that the reduced model is good/effective/adequate</a:t>
-            </a:r>
+              <a:t>Cross-Validation Methodology in the Textbook is Obsolete</a:t>
+            </a:r>
+          </a:p>
+          <a:p>
+            <a:pPr marL="457200" indent="-457200">
+              <a:buFont typeface="Arial" panose="020B0604020202020204" pitchFamily="34" charset="0"/>
+              <a:buChar char="•"/>
+            </a:pPr>
             <a:endParaRPr lang="en-US" sz="2800" dirty="0">
               <a:solidFill>
                 <a:srgbClr val="660066"/>
               </a:solidFill>
             </a:endParaRPr>
           </a:p>
+          <a:p>
+            <a:pPr marL="457200" indent="-457200">
+              <a:buFont typeface="Arial" panose="020B0604020202020204" pitchFamily="34" charset="0"/>
+              <a:buChar char="•"/>
+            </a:pPr>
+            <a:r>
+              <a:rPr lang="en-US" sz="2800" dirty="0">
+                <a:solidFill>
+                  <a:srgbClr val="660066"/>
+                </a:solidFill>
+              </a:rPr>
+              <a:t>What are the Problems with the </a:t>
+            </a:r>
+            <a:r>
+              <a:rPr lang="en-US" sz="2800" b="1" dirty="0">
+                <a:solidFill>
+                  <a:srgbClr val="660066"/>
+                </a:solidFill>
+              </a:rPr>
+              <a:t>Holdout Method</a:t>
+            </a:r>
+            <a:r>
+              <a:rPr lang="en-US" sz="2800" dirty="0">
+                <a:solidFill>
+                  <a:srgbClr val="660066"/>
+                </a:solidFill>
+              </a:rPr>
+              <a:t>?</a:t>
+            </a:r>
+          </a:p>
+          <a:p>
+            <a:pPr marL="457200" indent="-457200">
+              <a:buFont typeface="Arial" panose="020B0604020202020204" pitchFamily="34" charset="0"/>
+              <a:buChar char="•"/>
+            </a:pPr>
+            <a:endParaRPr lang="en-US" sz="2800" b="1" dirty="0">
+              <a:solidFill>
+                <a:srgbClr val="660066"/>
+              </a:solidFill>
+            </a:endParaRPr>
+          </a:p>
+          <a:p>
+            <a:pPr marL="457200" indent="-457200">
+              <a:buFont typeface="Arial" panose="020B0604020202020204" pitchFamily="34" charset="0"/>
+              <a:buChar char="•"/>
+            </a:pPr>
+            <a:r>
+              <a:rPr lang="en-US" sz="2800" dirty="0">
+                <a:solidFill>
+                  <a:srgbClr val="660066"/>
+                </a:solidFill>
+              </a:rPr>
+              <a:t>Personally, I </a:t>
+            </a:r>
+            <a:r>
+              <a:rPr lang="en-US" sz="2800" b="1" dirty="0">
+                <a:solidFill>
+                  <a:srgbClr val="660066"/>
+                </a:solidFill>
+              </a:rPr>
+              <a:t>Wouldn’t</a:t>
+            </a:r>
+            <a:r>
+              <a:rPr lang="en-US" sz="2800" dirty="0">
+                <a:solidFill>
+                  <a:srgbClr val="660066"/>
+                </a:solidFill>
+              </a:rPr>
+              <a:t> Call What We Learned Cross-Validation</a:t>
+            </a:r>
+            <a:endParaRPr lang="en-US" sz="2800" b="1" dirty="0">
+              <a:solidFill>
+                <a:srgbClr val="660066"/>
+              </a:solidFill>
+            </a:endParaRPr>
+          </a:p>
+          <a:p>
+            <a:pPr marL="457200" indent="-457200">
+              <a:buFont typeface="Arial" panose="020B0604020202020204" pitchFamily="34" charset="0"/>
+              <a:buChar char="•"/>
+            </a:pPr>
+            <a:endParaRPr lang="en-US" sz="2800" b="1" dirty="0">
+              <a:solidFill>
+                <a:srgbClr val="660066"/>
+              </a:solidFill>
+            </a:endParaRPr>
+          </a:p>
+          <a:p>
+            <a:pPr marL="457200" indent="-457200">
+              <a:buFont typeface="Arial" panose="020B0604020202020204" pitchFamily="34" charset="0"/>
+              <a:buChar char="•"/>
+            </a:pPr>
+            <a:r>
+              <a:rPr lang="en-US" sz="2800" dirty="0">
+                <a:solidFill>
+                  <a:srgbClr val="660066"/>
+                </a:solidFill>
+              </a:rPr>
+              <a:t>Classic Cross-Validation is Called K-Fold Cross-Validation</a:t>
+            </a:r>
+          </a:p>
         </p:txBody>
       </p:sp>
     </p:spTree>
     <p:extLst>
       <p:ext uri="{BB962C8B-B14F-4D97-AF65-F5344CB8AC3E}">
-        <p14:creationId xmlns:p14="http://schemas.microsoft.com/office/powerpoint/2010/main" val="1285629144"/>
+        <p14:creationId xmlns:p14="http://schemas.microsoft.com/office/powerpoint/2010/main" val="1130383829"/>
       </p:ext>
     </p:extLst>
   </p:cSld>
